--- a/Presentation for BigQuery Optimization.pptx
+++ b/Presentation for BigQuery Optimization.pptx
@@ -10,8 +10,9 @@
     <p:sldId id="259" r:id="rId4"/>
     <p:sldId id="260" r:id="rId5"/>
     <p:sldId id="261" r:id="rId6"/>
-    <p:sldId id="262" r:id="rId7"/>
-    <p:sldId id="265" r:id="rId8"/>
+    <p:sldId id="266" r:id="rId7"/>
+    <p:sldId id="262" r:id="rId8"/>
+    <p:sldId id="265" r:id="rId9"/>
   </p:sldIdLst>
   <p:sldSz cx="9144000" cy="6858000" type="screen4x3"/>
   <p:notesSz cx="6858000" cy="9144000"/>
@@ -163,30 +164,16 @@
               </a:defRPr>
             </a:pPr>
             <a:r>
-              <a:rPr lang="en-IN" dirty="0"/>
-              <a:t>Cost</a:t>
-            </a:r>
-            <a:r>
-              <a:rPr lang="en-IN" baseline="0" dirty="0"/>
-              <a:t> to Company</a:t>
-            </a:r>
-          </a:p>
-          <a:p>
-            <a:pPr>
-              <a:defRPr/>
-            </a:pPr>
-            <a:endParaRPr lang="en-IN" dirty="0"/>
+              <a:rPr lang="en-IN"/>
+              <a:t>Time</a:t>
+            </a:r>
+            <a:r>
+              <a:rPr lang="en-IN" baseline="0"/>
+              <a:t> Consumption</a:t>
+            </a:r>
           </a:p>
         </c:rich>
       </c:tx>
-      <c:layout>
-        <c:manualLayout>
-          <c:xMode val="edge"/>
-          <c:yMode val="edge"/>
-          <c:x val="0.37698163069145801"/>
-          <c:y val="6.5840526767871346E-2"/>
-        </c:manualLayout>
-      </c:layout>
       <c:overlay val="0"/>
       <c:spPr>
         <a:noFill/>
@@ -228,162 +215,11 @@
           <c:order val="0"/>
           <c:tx>
             <c:strRef>
-              <c:f>Sheet1!$B$1</c:f>
+              <c:f>Sheet1!$A$1</c:f>
               <c:strCache>
                 <c:ptCount val="1"/>
                 <c:pt idx="0">
-                  <c:v>PREVIOUS COST</c:v>
-                </c:pt>
-              </c:strCache>
-            </c:strRef>
-          </c:tx>
-          <c:spPr>
-            <a:gradFill rotWithShape="1">
-              <a:gsLst>
-                <a:gs pos="0">
-                  <a:schemeClr val="accent1">
-                    <a:satMod val="103000"/>
-                    <a:lumMod val="102000"/>
-                    <a:tint val="94000"/>
-                  </a:schemeClr>
-                </a:gs>
-                <a:gs pos="50000">
-                  <a:schemeClr val="accent1">
-                    <a:satMod val="110000"/>
-                    <a:lumMod val="100000"/>
-                    <a:shade val="100000"/>
-                  </a:schemeClr>
-                </a:gs>
-                <a:gs pos="100000">
-                  <a:schemeClr val="accent1">
-                    <a:lumMod val="99000"/>
-                    <a:satMod val="120000"/>
-                    <a:shade val="78000"/>
-                  </a:schemeClr>
-                </a:gs>
-              </a:gsLst>
-              <a:lin ang="5400000" scaled="0"/>
-            </a:gradFill>
-            <a:ln>
-              <a:noFill/>
-            </a:ln>
-            <a:effectLst>
-              <a:outerShdw blurRad="57150" dist="19050" dir="5400000" algn="ctr" rotWithShape="0">
-                <a:srgbClr val="000000">
-                  <a:alpha val="63000"/>
-                </a:srgbClr>
-              </a:outerShdw>
-            </a:effectLst>
-            <a:scene3d>
-              <a:camera prst="orthographicFront">
-                <a:rot lat="0" lon="0" rev="0"/>
-              </a:camera>
-              <a:lightRig rig="balanced" dir="t">
-                <a:rot lat="0" lon="0" rev="1080000"/>
-              </a:lightRig>
-            </a:scene3d>
-            <a:sp3d>
-              <a:bevelT w="38100" h="12700" prst="softRound"/>
-            </a:sp3d>
-          </c:spPr>
-          <c:invertIfNegative val="0"/>
-          <c:dLbls>
-            <c:spPr>
-              <a:noFill/>
-              <a:ln>
-                <a:noFill/>
-              </a:ln>
-              <a:effectLst/>
-            </c:spPr>
-            <c:txPr>
-              <a:bodyPr rot="0" spcFirstLastPara="1" vertOverflow="ellipsis" vert="horz" wrap="square" lIns="38100" tIns="19050" rIns="38100" bIns="19050" anchor="ctr" anchorCtr="1">
-                <a:spAutoFit/>
-              </a:bodyPr>
-              <a:lstStyle/>
-              <a:p>
-                <a:pPr>
-                  <a:defRPr sz="900" b="0" i="0" u="none" strike="noStrike" kern="1200" baseline="0">
-                    <a:solidFill>
-                      <a:schemeClr val="tx1">
-                        <a:lumMod val="75000"/>
-                        <a:lumOff val="25000"/>
-                      </a:schemeClr>
-                    </a:solidFill>
-                    <a:latin typeface="+mn-lt"/>
-                    <a:ea typeface="+mn-ea"/>
-                    <a:cs typeface="+mn-cs"/>
-                  </a:defRPr>
-                </a:pPr>
-                <a:endParaRPr lang="en-US"/>
-              </a:p>
-            </c:txPr>
-            <c:dLblPos val="outEnd"/>
-            <c:showLegendKey val="0"/>
-            <c:showVal val="1"/>
-            <c:showCatName val="0"/>
-            <c:showSerName val="0"/>
-            <c:showPercent val="0"/>
-            <c:showBubbleSize val="0"/>
-            <c:showLeaderLines val="0"/>
-            <c:extLst>
-              <c:ext xmlns:c15="http://schemas.microsoft.com/office/drawing/2012/chart" uri="{CE6537A1-D6FC-4f65-9D91-7224C49458BB}">
-                <c15:showLeaderLines val="1"/>
-                <c15:leaderLines>
-                  <c:spPr>
-                    <a:ln w="9525" cap="flat" cmpd="sng" algn="ctr">
-                      <a:solidFill>
-                        <a:schemeClr val="tx1">
-                          <a:lumMod val="35000"/>
-                          <a:lumOff val="65000"/>
-                        </a:schemeClr>
-                      </a:solidFill>
-                      <a:round/>
-                    </a:ln>
-                    <a:effectLst/>
-                  </c:spPr>
-                </c15:leaderLines>
-              </c:ext>
-            </c:extLst>
-          </c:dLbls>
-          <c:cat>
-            <c:strRef>
-              <c:f>Sheet1!$A$2</c:f>
-              <c:strCache>
-                <c:ptCount val="1"/>
-                <c:pt idx="0">
-                  <c:v>A</c:v>
-                </c:pt>
-              </c:strCache>
-            </c:strRef>
-          </c:cat>
-          <c:val>
-            <c:numRef>
-              <c:f>Sheet1!$B$2</c:f>
-              <c:numCache>
-                <c:formatCode>General</c:formatCode>
-                <c:ptCount val="1"/>
-                <c:pt idx="0">
-                  <c:v>40</c:v>
-                </c:pt>
-              </c:numCache>
-            </c:numRef>
-          </c:val>
-          <c:extLst>
-            <c:ext xmlns:c16="http://schemas.microsoft.com/office/drawing/2014/chart" uri="{C3380CC4-5D6E-409C-BE32-E72D297353CC}">
-              <c16:uniqueId val="{00000000-EC5A-4627-B128-54D5C6221339}"/>
-            </c:ext>
-          </c:extLst>
-        </c:ser>
-        <c:ser>
-          <c:idx val="1"/>
-          <c:order val="1"/>
-          <c:tx>
-            <c:strRef>
-              <c:f>Sheet1!$C$1</c:f>
-              <c:strCache>
-                <c:ptCount val="1"/>
-                <c:pt idx="0">
-                  <c:v>NEW COST</c:v>
+                  <c:v>Old time</c:v>
                 </c:pt>
               </c:strCache>
             </c:strRef>
@@ -440,7 +276,9 @@
           <c:invertIfNegative val="0"/>
           <c:dLbls>
             <c:spPr>
-              <a:noFill/>
+              <a:solidFill>
+                <a:schemeClr val="bg1"/>
+              </a:solidFill>
               <a:ln>
                 <a:noFill/>
               </a:ln>
@@ -468,7 +306,7 @@
                 <a:endParaRPr lang="en-US"/>
               </a:p>
             </c:txPr>
-            <c:dLblPos val="outEnd"/>
+            <c:dLblPos val="inEnd"/>
             <c:showLegendKey val="0"/>
             <c:showVal val="1"/>
             <c:showCatName val="0"/>
@@ -496,45 +334,34 @@
               </c:ext>
             </c:extLst>
           </c:dLbls>
-          <c:cat>
-            <c:strRef>
-              <c:f>Sheet1!$A$2</c:f>
-              <c:strCache>
-                <c:ptCount val="1"/>
-                <c:pt idx="0">
-                  <c:v>A</c:v>
-                </c:pt>
-              </c:strCache>
-            </c:strRef>
-          </c:cat>
           <c:val>
             <c:numRef>
-              <c:f>Sheet1!$C$2</c:f>
+              <c:f>Sheet1!$A$2</c:f>
               <c:numCache>
                 <c:formatCode>General</c:formatCode>
                 <c:ptCount val="1"/>
                 <c:pt idx="0">
-                  <c:v>5</c:v>
+                  <c:v>50</c:v>
                 </c:pt>
               </c:numCache>
             </c:numRef>
           </c:val>
           <c:extLst>
             <c:ext xmlns:c16="http://schemas.microsoft.com/office/drawing/2014/chart" uri="{C3380CC4-5D6E-409C-BE32-E72D297353CC}">
-              <c16:uniqueId val="{00000001-EC5A-4627-B128-54D5C6221339}"/>
+              <c16:uniqueId val="{00000000-61CD-4347-A1AC-24F89874AD5B}"/>
             </c:ext>
           </c:extLst>
         </c:ser>
         <c:ser>
-          <c:idx val="2"/>
-          <c:order val="2"/>
+          <c:idx val="1"/>
+          <c:order val="1"/>
           <c:tx>
             <c:strRef>
-              <c:f>Sheet1!$D$1</c:f>
+              <c:f>Sheet1!$B$1</c:f>
               <c:strCache>
                 <c:ptCount val="1"/>
                 <c:pt idx="0">
-                  <c:v>NET PROFIT</c:v>
+                  <c:v>New time</c:v>
                 </c:pt>
               </c:strCache>
             </c:strRef>
@@ -543,21 +370,21 @@
             <a:gradFill rotWithShape="1">
               <a:gsLst>
                 <a:gs pos="0">
-                  <a:schemeClr val="accent3">
+                  <a:schemeClr val="accent4">
                     <a:satMod val="103000"/>
                     <a:lumMod val="102000"/>
                     <a:tint val="94000"/>
                   </a:schemeClr>
                 </a:gs>
                 <a:gs pos="50000">
-                  <a:schemeClr val="accent3">
+                  <a:schemeClr val="accent4">
                     <a:satMod val="110000"/>
                     <a:lumMod val="100000"/>
                     <a:shade val="100000"/>
                   </a:schemeClr>
                 </a:gs>
                 <a:gs pos="100000">
-                  <a:schemeClr val="accent3">
+                  <a:schemeClr val="accent4">
                     <a:lumMod val="99000"/>
                     <a:satMod val="120000"/>
                     <a:shade val="78000"/>
@@ -591,7 +418,11 @@
           <c:invertIfNegative val="0"/>
           <c:dLbls>
             <c:spPr>
-              <a:noFill/>
+              <a:solidFill>
+                <a:schemeClr val="bg1">
+                  <a:alpha val="93000"/>
+                </a:schemeClr>
+              </a:solidFill>
               <a:ln>
                 <a:noFill/>
               </a:ln>
@@ -619,7 +450,7 @@
                 <a:endParaRPr lang="en-US"/>
               </a:p>
             </c:txPr>
-            <c:dLblPos val="outEnd"/>
+            <c:dLblPos val="inEnd"/>
             <c:showLegendKey val="0"/>
             <c:showVal val="1"/>
             <c:showCatName val="0"/>
@@ -647,37 +478,168 @@
               </c:ext>
             </c:extLst>
           </c:dLbls>
-          <c:cat>
-            <c:strRef>
-              <c:f>Sheet1!$A$2</c:f>
-              <c:strCache>
-                <c:ptCount val="1"/>
-                <c:pt idx="0">
-                  <c:v>A</c:v>
-                </c:pt>
-              </c:strCache>
-            </c:strRef>
-          </c:cat>
           <c:val>
             <c:numRef>
-              <c:f>Sheet1!$D$2</c:f>
+              <c:f>Sheet1!$B$2</c:f>
               <c:numCache>
                 <c:formatCode>General</c:formatCode>
                 <c:ptCount val="1"/>
                 <c:pt idx="0">
-                  <c:v>35</c:v>
+                  <c:v>14</c:v>
                 </c:pt>
               </c:numCache>
             </c:numRef>
           </c:val>
           <c:extLst>
             <c:ext xmlns:c16="http://schemas.microsoft.com/office/drawing/2014/chart" uri="{C3380CC4-5D6E-409C-BE32-E72D297353CC}">
-              <c16:uniqueId val="{00000002-EC5A-4627-B128-54D5C6221339}"/>
+              <c16:uniqueId val="{00000001-61CD-4347-A1AC-24F89874AD5B}"/>
+            </c:ext>
+          </c:extLst>
+        </c:ser>
+        <c:ser>
+          <c:idx val="2"/>
+          <c:order val="2"/>
+          <c:tx>
+            <c:strRef>
+              <c:f>Sheet1!$C$1</c:f>
+              <c:strCache>
+                <c:ptCount val="1"/>
+                <c:pt idx="0">
+                  <c:v>Time Saved</c:v>
+                </c:pt>
+              </c:strCache>
+            </c:strRef>
+          </c:tx>
+          <c:spPr>
+            <a:gradFill rotWithShape="1">
+              <a:gsLst>
+                <a:gs pos="0">
+                  <a:schemeClr val="accent6">
+                    <a:satMod val="103000"/>
+                    <a:lumMod val="102000"/>
+                    <a:tint val="94000"/>
+                  </a:schemeClr>
+                </a:gs>
+                <a:gs pos="50000">
+                  <a:schemeClr val="accent6">
+                    <a:satMod val="110000"/>
+                    <a:lumMod val="100000"/>
+                    <a:shade val="100000"/>
+                  </a:schemeClr>
+                </a:gs>
+                <a:gs pos="100000">
+                  <a:schemeClr val="accent6">
+                    <a:lumMod val="99000"/>
+                    <a:satMod val="120000"/>
+                    <a:shade val="78000"/>
+                  </a:schemeClr>
+                </a:gs>
+              </a:gsLst>
+              <a:lin ang="5400000" scaled="0"/>
+            </a:gradFill>
+            <a:ln>
+              <a:noFill/>
+            </a:ln>
+            <a:effectLst>
+              <a:outerShdw blurRad="57150" dist="19050" dir="5400000" algn="ctr" rotWithShape="0">
+                <a:srgbClr val="000000">
+                  <a:alpha val="63000"/>
+                </a:srgbClr>
+              </a:outerShdw>
+            </a:effectLst>
+            <a:scene3d>
+              <a:camera prst="orthographicFront">
+                <a:rot lat="0" lon="0" rev="0"/>
+              </a:camera>
+              <a:lightRig rig="balanced" dir="t">
+                <a:rot lat="0" lon="0" rev="1080000"/>
+              </a:lightRig>
+            </a:scene3d>
+            <a:sp3d>
+              <a:bevelT w="38100" h="12700" prst="softRound"/>
+            </a:sp3d>
+          </c:spPr>
+          <c:invertIfNegative val="0"/>
+          <c:dLbls>
+            <c:spPr>
+              <a:solidFill>
+                <a:schemeClr val="bg1"/>
+              </a:solidFill>
+              <a:ln>
+                <a:noFill/>
+              </a:ln>
+              <a:effectLst/>
+            </c:spPr>
+            <c:txPr>
+              <a:bodyPr rot="0" spcFirstLastPara="1" vertOverflow="ellipsis" vert="horz" wrap="square" lIns="38100" tIns="19050" rIns="38100" bIns="19050" anchor="ctr" anchorCtr="1">
+                <a:spAutoFit/>
+              </a:bodyPr>
+              <a:lstStyle/>
+              <a:p>
+                <a:pPr>
+                  <a:defRPr sz="900" b="0" i="0" u="none" strike="noStrike" kern="1200" baseline="0">
+                    <a:solidFill>
+                      <a:schemeClr val="tx1">
+                        <a:lumMod val="75000"/>
+                        <a:lumOff val="25000"/>
+                      </a:schemeClr>
+                    </a:solidFill>
+                    <a:latin typeface="+mn-lt"/>
+                    <a:ea typeface="+mn-ea"/>
+                    <a:cs typeface="+mn-cs"/>
+                  </a:defRPr>
+                </a:pPr>
+                <a:endParaRPr lang="en-US"/>
+              </a:p>
+            </c:txPr>
+            <c:dLblPos val="inEnd"/>
+            <c:showLegendKey val="0"/>
+            <c:showVal val="1"/>
+            <c:showCatName val="0"/>
+            <c:showSerName val="0"/>
+            <c:showPercent val="0"/>
+            <c:showBubbleSize val="0"/>
+            <c:showLeaderLines val="0"/>
+            <c:extLst>
+              <c:ext xmlns:c15="http://schemas.microsoft.com/office/drawing/2012/chart" uri="{CE6537A1-D6FC-4f65-9D91-7224C49458BB}">
+                <c15:showLeaderLines val="1"/>
+                <c15:leaderLines>
+                  <c:spPr>
+                    <a:ln w="9525" cap="flat" cmpd="sng" algn="ctr">
+                      <a:solidFill>
+                        <a:schemeClr val="tx1">
+                          <a:lumMod val="35000"/>
+                          <a:lumOff val="65000"/>
+                        </a:schemeClr>
+                      </a:solidFill>
+                      <a:round/>
+                    </a:ln>
+                    <a:effectLst/>
+                  </c:spPr>
+                </c15:leaderLines>
+              </c:ext>
+            </c:extLst>
+          </c:dLbls>
+          <c:val>
+            <c:numRef>
+              <c:f>Sheet1!$C$2</c:f>
+              <c:numCache>
+                <c:formatCode>General</c:formatCode>
+                <c:ptCount val="1"/>
+                <c:pt idx="0">
+                  <c:v>36</c:v>
+                </c:pt>
+              </c:numCache>
+            </c:numRef>
+          </c:val>
+          <c:extLst>
+            <c:ext xmlns:c16="http://schemas.microsoft.com/office/drawing/2014/chart" uri="{C3380CC4-5D6E-409C-BE32-E72D297353CC}">
+              <c16:uniqueId val="{00000002-61CD-4347-A1AC-24F89874AD5B}"/>
             </c:ext>
           </c:extLst>
         </c:ser>
         <c:dLbls>
-          <c:dLblPos val="outEnd"/>
+          <c:dLblPos val="inEnd"/>
           <c:showLegendKey val="0"/>
           <c:showVal val="1"/>
           <c:showCatName val="0"/>
@@ -686,55 +648,22 @@
           <c:showBubbleSize val="0"/>
         </c:dLbls>
         <c:gapWidth val="100"/>
-        <c:overlap val="-24"/>
-        <c:axId val="1810363600"/>
-        <c:axId val="1810366480"/>
+        <c:overlap val="-21"/>
+        <c:axId val="773794047"/>
+        <c:axId val="773798847"/>
       </c:barChart>
       <c:catAx>
-        <c:axId val="1810363600"/>
+        <c:axId val="773794047"/>
         <c:scaling>
           <c:orientation val="minMax"/>
         </c:scaling>
-        <c:delete val="0"/>
+        <c:delete val="1"/>
         <c:axPos val="b"/>
         <c:numFmt formatCode="General" sourceLinked="1"/>
         <c:majorTickMark val="none"/>
         <c:minorTickMark val="none"/>
         <c:tickLblPos val="nextTo"/>
-        <c:spPr>
-          <a:noFill/>
-          <a:ln w="12700" cap="flat" cmpd="sng" algn="ctr">
-            <a:solidFill>
-              <a:schemeClr val="tx1">
-                <a:lumMod val="15000"/>
-                <a:lumOff val="85000"/>
-              </a:schemeClr>
-            </a:solidFill>
-            <a:round/>
-          </a:ln>
-          <a:effectLst/>
-        </c:spPr>
-        <c:txPr>
-          <a:bodyPr rot="-60000000" spcFirstLastPara="1" vertOverflow="ellipsis" vert="horz" wrap="square" anchor="ctr" anchorCtr="1"/>
-          <a:lstStyle/>
-          <a:p>
-            <a:pPr>
-              <a:defRPr sz="900" b="0" i="0" u="none" strike="noStrike" kern="1200" baseline="0">
-                <a:solidFill>
-                  <a:schemeClr val="tx1">
-                    <a:lumMod val="65000"/>
-                    <a:lumOff val="35000"/>
-                  </a:schemeClr>
-                </a:solidFill>
-                <a:latin typeface="+mn-lt"/>
-                <a:ea typeface="+mn-ea"/>
-                <a:cs typeface="+mn-cs"/>
-              </a:defRPr>
-            </a:pPr>
-            <a:endParaRPr lang="en-US"/>
-          </a:p>
-        </c:txPr>
-        <c:crossAx val="1810366480"/>
+        <c:crossAx val="773798847"/>
         <c:crosses val="autoZero"/>
         <c:auto val="1"/>
         <c:lblAlgn val="ctr"/>
@@ -742,7 +671,7 @@
         <c:noMultiLvlLbl val="0"/>
       </c:catAx>
       <c:valAx>
-        <c:axId val="1810366480"/>
+        <c:axId val="773798847"/>
         <c:scaling>
           <c:orientation val="minMax"/>
         </c:scaling>
@@ -762,6 +691,61 @@
             <a:effectLst/>
           </c:spPr>
         </c:majorGridlines>
+        <c:title>
+          <c:tx>
+            <c:rich>
+              <a:bodyPr rot="-5400000" spcFirstLastPara="1" vertOverflow="ellipsis" vert="horz" wrap="square" anchor="ctr" anchorCtr="1"/>
+              <a:lstStyle/>
+              <a:p>
+                <a:pPr>
+                  <a:defRPr sz="900" b="0" i="0" u="none" strike="noStrike" kern="1200" baseline="0">
+                    <a:solidFill>
+                      <a:schemeClr val="tx1">
+                        <a:lumMod val="65000"/>
+                        <a:lumOff val="35000"/>
+                      </a:schemeClr>
+                    </a:solidFill>
+                    <a:latin typeface="+mn-lt"/>
+                    <a:ea typeface="+mn-ea"/>
+                    <a:cs typeface="+mn-cs"/>
+                  </a:defRPr>
+                </a:pPr>
+                <a:r>
+                  <a:rPr lang="en-US"/>
+                  <a:t>Time (in min)</a:t>
+                </a:r>
+              </a:p>
+            </c:rich>
+          </c:tx>
+          <c:overlay val="0"/>
+          <c:spPr>
+            <a:noFill/>
+            <a:ln>
+              <a:noFill/>
+            </a:ln>
+            <a:effectLst/>
+          </c:spPr>
+          <c:txPr>
+            <a:bodyPr rot="-5400000" spcFirstLastPara="1" vertOverflow="ellipsis" vert="horz" wrap="square" anchor="ctr" anchorCtr="1"/>
+            <a:lstStyle/>
+            <a:p>
+              <a:pPr>
+                <a:defRPr sz="900" b="0" i="0" u="none" strike="noStrike" kern="1200" baseline="0">
+                  <a:solidFill>
+                    <a:schemeClr val="tx1">
+                      <a:lumMod val="65000"/>
+                      <a:lumOff val="35000"/>
+                    </a:schemeClr>
+                  </a:solidFill>
+                  <a:latin typeface="+mn-lt"/>
+                  <a:ea typeface="+mn-ea"/>
+                  <a:cs typeface="+mn-cs"/>
+                </a:defRPr>
+              </a:pPr>
+              <a:endParaRPr lang="en-US"/>
+            </a:p>
+          </c:txPr>
+        </c:title>
         <c:numFmt formatCode="General" sourceLinked="1"/>
         <c:majorTickMark val="none"/>
         <c:minorTickMark val="none"/>
@@ -793,7 +777,7 @@
             <a:endParaRPr lang="en-US"/>
           </a:p>
         </c:txPr>
-        <c:crossAx val="1810363600"/>
+        <c:crossAx val="773794047"/>
         <c:crosses val="autoZero"/>
         <c:crossBetween val="between"/>
       </c:valAx>
@@ -864,12 +848,9 @@
 </file>
 
 <file path=ppt/charts/colors1.xml><?xml version="1.0" encoding="utf-8"?>
-<cs:colorStyle xmlns:cs="http://schemas.microsoft.com/office/drawing/2012/chartStyle" xmlns:a="http://schemas.openxmlformats.org/drawingml/2006/main" meth="cycle" id="10">
-  <a:schemeClr val="accent1"/>
+<cs:colorStyle xmlns:cs="http://schemas.microsoft.com/office/drawing/2012/chartStyle" xmlns:a="http://schemas.openxmlformats.org/drawingml/2006/main" meth="cycle" id="12">
   <a:schemeClr val="accent2"/>
-  <a:schemeClr val="accent3"/>
   <a:schemeClr val="accent4"/>
-  <a:schemeClr val="accent5"/>
   <a:schemeClr val="accent6"/>
   <cs:variation/>
   <cs:variation>
@@ -1544,7 +1525,7 @@
           <a:p>
             <a:fld id="{5BCAD085-E8A6-8845-BD4E-CB4CCA059FC4}" type="datetimeFigureOut">
               <a:rPr lang="en-US" smtClean="0"/>
-              <a:t>3/3/2025</a:t>
+              <a:t>3/6/2025</a:t>
             </a:fld>
             <a:endParaRPr lang="en-US"/>
           </a:p>
@@ -1761,7 +1742,7 @@
           <a:p>
             <a:fld id="{5BCAD085-E8A6-8845-BD4E-CB4CCA059FC4}" type="datetimeFigureOut">
               <a:rPr lang="en-US" smtClean="0"/>
-              <a:t>3/3/2025</a:t>
+              <a:t>3/6/2025</a:t>
             </a:fld>
             <a:endParaRPr lang="en-US"/>
           </a:p>
@@ -1982,7 +1963,7 @@
           <a:p>
             <a:fld id="{5BCAD085-E8A6-8845-BD4E-CB4CCA059FC4}" type="datetimeFigureOut">
               <a:rPr lang="en-US" smtClean="0"/>
-              <a:t>3/3/2025</a:t>
+              <a:t>3/6/2025</a:t>
             </a:fld>
             <a:endParaRPr lang="en-US"/>
           </a:p>
@@ -2189,7 +2170,7 @@
           <a:p>
             <a:fld id="{5BCAD085-E8A6-8845-BD4E-CB4CCA059FC4}" type="datetimeFigureOut">
               <a:rPr lang="en-US" smtClean="0"/>
-              <a:t>3/3/2025</a:t>
+              <a:t>3/6/2025</a:t>
             </a:fld>
             <a:endParaRPr lang="en-US"/>
           </a:p>
@@ -2474,7 +2455,7 @@
           <a:p>
             <a:fld id="{5BCAD085-E8A6-8845-BD4E-CB4CCA059FC4}" type="datetimeFigureOut">
               <a:rPr lang="en-US" smtClean="0"/>
-              <a:t>3/3/2025</a:t>
+              <a:t>3/6/2025</a:t>
             </a:fld>
             <a:endParaRPr lang="en-US"/>
           </a:p>
@@ -2748,7 +2729,7 @@
           <a:p>
             <a:fld id="{5BCAD085-E8A6-8845-BD4E-CB4CCA059FC4}" type="datetimeFigureOut">
               <a:rPr lang="en-US" smtClean="0"/>
-              <a:t>3/3/2025</a:t>
+              <a:t>3/6/2025</a:t>
             </a:fld>
             <a:endParaRPr lang="en-US"/>
           </a:p>
@@ -3170,7 +3151,7 @@
           <a:p>
             <a:fld id="{5BCAD085-E8A6-8845-BD4E-CB4CCA059FC4}" type="datetimeFigureOut">
               <a:rPr lang="en-US" smtClean="0"/>
-              <a:t>3/3/2025</a:t>
+              <a:t>3/6/2025</a:t>
             </a:fld>
             <a:endParaRPr lang="en-US"/>
           </a:p>
@@ -3325,7 +3306,7 @@
           <a:p>
             <a:fld id="{5BCAD085-E8A6-8845-BD4E-CB4CCA059FC4}" type="datetimeFigureOut">
               <a:rPr lang="en-US" smtClean="0"/>
-              <a:t>3/3/2025</a:t>
+              <a:t>3/6/2025</a:t>
             </a:fld>
             <a:endParaRPr lang="en-US"/>
           </a:p>
@@ -3457,7 +3438,7 @@
           <a:p>
             <a:fld id="{5BCAD085-E8A6-8845-BD4E-CB4CCA059FC4}" type="datetimeFigureOut">
               <a:rPr lang="en-US" smtClean="0"/>
-              <a:t>3/3/2025</a:t>
+              <a:t>3/6/2025</a:t>
             </a:fld>
             <a:endParaRPr lang="en-US"/>
           </a:p>
@@ -3710,7 +3691,7 @@
           <a:p>
             <a:fld id="{5BCAD085-E8A6-8845-BD4E-CB4CCA059FC4}" type="datetimeFigureOut">
               <a:rPr lang="en-US" smtClean="0"/>
-              <a:t>3/3/2025</a:t>
+              <a:t>3/6/2025</a:t>
             </a:fld>
             <a:endParaRPr lang="en-US"/>
           </a:p>
@@ -4165,7 +4146,7 @@
           <a:p>
             <a:fld id="{5BCAD085-E8A6-8845-BD4E-CB4CCA059FC4}" type="datetimeFigureOut">
               <a:rPr lang="en-US" smtClean="0"/>
-              <a:t>3/3/2025</a:t>
+              <a:t>3/6/2025</a:t>
             </a:fld>
             <a:endParaRPr lang="en-US"/>
           </a:p>
@@ -4492,7 +4473,7 @@
           <a:p>
             <a:fld id="{5BCAD085-E8A6-8845-BD4E-CB4CCA059FC4}" type="datetimeFigureOut">
               <a:rPr lang="en-US" smtClean="0"/>
-              <a:t>3/3/2025</a:t>
+              <a:t>3/6/2025</a:t>
             </a:fld>
             <a:endParaRPr lang="en-US"/>
           </a:p>
@@ -4988,7 +4969,12 @@
             <p:ph type="ctrTitle"/>
           </p:nvPr>
         </p:nvSpPr>
-        <p:spPr/>
+        <p:spPr>
+          <a:xfrm>
+            <a:off x="2478181" y="802299"/>
+            <a:ext cx="6401413" cy="2541431"/>
+          </a:xfrm>
+        </p:spPr>
         <p:txBody>
           <a:bodyPr>
             <a:normAutofit fontScale="90000"/>
@@ -4996,8 +4982,12 @@
           <a:lstStyle/>
           <a:p>
             <a:r>
-              <a:rPr lang="en-IN" dirty="0"/>
-              <a:t>BigQuery Performance &amp; Cost Optimization</a:t>
+              <a:rPr lang="en-US" dirty="0" err="1"/>
+              <a:t>BigQuery</a:t>
+            </a:r>
+            <a:r>
+              <a:rPr lang="en-US" dirty="0"/>
+              <a:t> Automation for Time and Cost        		Efficiency</a:t>
             </a:r>
             <a:endParaRPr dirty="0"/>
           </a:p>
@@ -5320,7 +5310,7 @@
         <p:spPr>
           <a:xfrm>
             <a:off x="1322024" y="1790241"/>
-            <a:ext cx="8543581" cy="2554545"/>
+            <a:ext cx="8543581" cy="3170099"/>
           </a:xfrm>
           <a:prstGeom prst="rect">
             <a:avLst/>
@@ -5391,6 +5381,12 @@
               <a:rPr lang="en-US" sz="2000" dirty="0"/>
               <a:t>redundant processing.</a:t>
             </a:r>
+          </a:p>
+          <a:p>
+            <a:endParaRPr lang="en-US" sz="2000" dirty="0"/>
+          </a:p>
+          <a:p>
+            <a:endParaRPr lang="en-US" sz="2000" dirty="0"/>
           </a:p>
           <a:p>
             <a:endParaRPr lang="en-US" sz="2000" dirty="0"/>
@@ -5699,7 +5695,7 @@
         <p:spPr>
           <a:xfrm>
             <a:off x="1311007" y="1112704"/>
-            <a:ext cx="8047822" cy="5786199"/>
+            <a:ext cx="8047822" cy="6063198"/>
           </a:xfrm>
           <a:prstGeom prst="rect">
             <a:avLst/>
@@ -5720,9 +5716,10 @@
               <a:t>1️⃣ </a:t>
             </a:r>
             <a:r>
-              <a:rPr lang="en-US" b="1" dirty="0"/>
-              <a:t>Cost Savings</a:t>
-            </a:r>
+              <a:rPr lang="en-IN" dirty="0"/>
+              <a:t>Significant Cost Savings</a:t>
+            </a:r>
+            <a:endParaRPr lang="en-US" b="1" dirty="0"/>
           </a:p>
           <a:p>
             <a:endParaRPr lang="en-US" sz="1100" dirty="0"/>
@@ -5733,24 +5730,20 @@
               <a:buChar char="•"/>
             </a:pPr>
             <a:r>
+              <a:rPr lang="en-US" b="1" dirty="0"/>
+              <a:t> Before:</a:t>
+            </a:r>
+            <a:r>
               <a:rPr lang="en-US" dirty="0"/>
-              <a:t>Previously, running the model for </a:t>
+              <a:t> Extracting data from each catalog took 5-7 minutes, resulting in </a:t>
             </a:r>
             <a:r>
               <a:rPr lang="en-US" b="1" dirty="0"/>
-              <a:t>eight catalogs</a:t>
+              <a:t>40- 56 minutes</a:t>
             </a:r>
             <a:r>
               <a:rPr lang="en-US" dirty="0"/>
-              <a:t> cost </a:t>
-            </a:r>
-            <a:r>
-              <a:rPr lang="en-US" b="1" dirty="0"/>
-              <a:t>$40</a:t>
-            </a:r>
-            <a:r>
-              <a:rPr lang="en-US" dirty="0"/>
-              <a:t> (assuming $5 per execution).</a:t>
+              <a:t> for 8 catalogs.</a:t>
             </a:r>
           </a:p>
           <a:p>
@@ -5762,24 +5755,28 @@
               <a:buChar char="•"/>
             </a:pPr>
             <a:r>
+              <a:rPr lang="en-US" b="1" dirty="0"/>
+              <a:t> Now:</a:t>
+            </a:r>
+            <a:r>
               <a:rPr lang="en-US" dirty="0"/>
-              <a:t>Now, with a single execution, the cost is reduced to just </a:t>
+              <a:t> With batch processing, data from all catalogs is extracted in just </a:t>
             </a:r>
             <a:r>
               <a:rPr lang="en-US" b="1" dirty="0"/>
-              <a:t>$5</a:t>
+              <a:t>14 </a:t>
+            </a:r>
+            <a:r>
+              <a:rPr lang="en-US" b="1" dirty="0" err="1"/>
+              <a:t>minutes</a:t>
+            </a:r>
+            <a:r>
+              <a:rPr lang="en-US" dirty="0" err="1"/>
+              <a:t>,significantly</a:t>
             </a:r>
             <a:r>
               <a:rPr lang="en-US" dirty="0"/>
-              <a:t>, resulting in </a:t>
-            </a:r>
-            <a:r>
-              <a:rPr lang="en-US" b="1" dirty="0"/>
-              <a:t>significant savings</a:t>
-            </a:r>
-            <a:r>
-              <a:rPr lang="en-US" dirty="0"/>
-              <a:t>.</a:t>
+              <a:t> reducing processing time and lowering cloud compute costs.</a:t>
             </a:r>
           </a:p>
           <a:p>
@@ -5802,19 +5799,6 @@
             <a:br>
               <a:rPr dirty="0"/>
             </a:br>
-            <a:r>
-              <a:rPr lang="en-US" sz="1400" dirty="0"/>
-              <a:t>Cost</a:t>
-            </a:r>
-          </a:p>
-          <a:p>
-            <a:pPr>
-              <a:defRPr sz="2200"/>
-            </a:pPr>
-            <a:r>
-              <a:rPr lang="en-US" sz="1400" dirty="0"/>
-              <a:t>(CAD)</a:t>
-            </a:r>
             <a:br>
               <a:rPr sz="1400" dirty="0"/>
             </a:br>
@@ -5860,10 +5844,10 @@
       </p:sp>
       <p:graphicFrame>
         <p:nvGraphicFramePr>
-          <p:cNvPr id="6" name="Chart 5">
+          <p:cNvPr id="7" name="Chart 6">
             <a:extLst>
               <a:ext uri="{FF2B5EF4-FFF2-40B4-BE49-F238E27FC236}">
-                <a16:creationId xmlns:a16="http://schemas.microsoft.com/office/drawing/2014/main" id="{175ED511-9703-E4D1-E09A-D6C431B83F0D}"/>
+                <a16:creationId xmlns:a16="http://schemas.microsoft.com/office/drawing/2014/main" id="{1C827148-04C8-256B-F1A7-C46C99ACEAA5}"/>
               </a:ext>
             </a:extLst>
           </p:cNvPr>
@@ -5873,14 +5857,14 @@
           <p:nvPr>
             <p:extLst>
               <p:ext uri="{D42A27DB-BD31-4B8C-83A1-F6EECF244321}">
-                <p14:modId xmlns:p14="http://schemas.microsoft.com/office/powerpoint/2010/main" val="693198257"/>
+                <p14:modId xmlns:p14="http://schemas.microsoft.com/office/powerpoint/2010/main" val="528333071"/>
               </p:ext>
             </p:extLst>
           </p:nvPr>
         </p:nvGraphicFramePr>
         <p:xfrm>
-          <a:off x="1909987" y="3193084"/>
-          <a:ext cx="6479421" cy="3075514"/>
+          <a:off x="1764045" y="3429000"/>
+          <a:ext cx="6771304" cy="2743200"/>
         </p:xfrm>
         <a:graphic>
           <a:graphicData uri="http://schemas.openxmlformats.org/drawingml/2006/chart">
@@ -5914,7 +5898,7 @@
                             </p:stCondLst>
                             <p:childTnLst>
                               <p:par>
-                                <p:cTn id="5" presetID="22" presetClass="entr" presetSubtype="4" fill="hold" nodeType="clickEffect">
+                                <p:cTn id="5" presetID="6" presetClass="entr" presetSubtype="16" fill="hold" grpId="0" nodeType="clickEffect">
                                   <p:stCondLst>
                                     <p:cond delay="0"/>
                                   </p:stCondLst>
@@ -5927,11 +5911,7 @@
                                           </p:stCondLst>
                                         </p:cTn>
                                         <p:tgtEl>
-                                          <p:spTgt spid="3">
-                                            <p:txEl>
-                                              <p:pRg st="1" end="1"/>
-                                            </p:txEl>
-                                          </p:spTgt>
+                                          <p:spTgt spid="3"/>
                                         </p:tgtEl>
                                         <p:attrNameLst>
                                           <p:attrName>style.visibility</p:attrName>
@@ -5941,15 +5921,11 @@
                                         <p:strVal val="visible"/>
                                       </p:to>
                                     </p:set>
-                                    <p:animEffect transition="in" filter="wipe(down)">
+                                    <p:animEffect transition="in" filter="circle(in)">
                                       <p:cBhvr>
-                                        <p:cTn id="7" dur="500"/>
+                                        <p:cTn id="7" dur="2000"/>
                                         <p:tgtEl>
-                                          <p:spTgt spid="3">
-                                            <p:txEl>
-                                              <p:pRg st="1" end="1"/>
-                                            </p:txEl>
-                                          </p:spTgt>
+                                          <p:spTgt spid="3"/>
                                         </p:tgtEl>
                                       </p:cBhvr>
                                     </p:animEffect>
@@ -5975,7 +5951,7 @@
                             </p:stCondLst>
                             <p:childTnLst>
                               <p:par>
-                                <p:cTn id="10" presetID="42" presetClass="entr" presetSubtype="0" fill="hold" nodeType="clickEffect">
+                                <p:cTn id="10" presetID="10" presetClass="entr" presetSubtype="0" fill="hold" grpId="0" nodeType="clickEffect">
                                   <p:stCondLst>
                                     <p:cond delay="0"/>
                                   </p:stCondLst>
@@ -5988,11 +5964,7 @@
                                           </p:stCondLst>
                                         </p:cTn>
                                         <p:tgtEl>
-                                          <p:spTgt spid="3">
-                                            <p:txEl>
-                                              <p:pRg st="3" end="3"/>
-                                            </p:txEl>
-                                          </p:spTgt>
+                                          <p:spTgt spid="7"/>
                                         </p:tgtEl>
                                         <p:attrNameLst>
                                           <p:attrName>style.visibility</p:attrName>
@@ -6004,408 +5976,12 @@
                                     </p:set>
                                     <p:animEffect transition="in" filter="fade">
                                       <p:cBhvr>
-                                        <p:cTn id="12" dur="1000"/>
+                                        <p:cTn id="12" dur="500"/>
                                         <p:tgtEl>
-                                          <p:spTgt spid="3">
-                                            <p:txEl>
-                                              <p:pRg st="3" end="3"/>
-                                            </p:txEl>
-                                          </p:spTgt>
+                                          <p:spTgt spid="7"/>
                                         </p:tgtEl>
                                       </p:cBhvr>
                                     </p:animEffect>
-                                    <p:anim calcmode="lin" valueType="num">
-                                      <p:cBhvr>
-                                        <p:cTn id="13" dur="1000" fill="hold"/>
-                                        <p:tgtEl>
-                                          <p:spTgt spid="3">
-                                            <p:txEl>
-                                              <p:pRg st="3" end="3"/>
-                                            </p:txEl>
-                                          </p:spTgt>
-                                        </p:tgtEl>
-                                        <p:attrNameLst>
-                                          <p:attrName>ppt_x</p:attrName>
-                                        </p:attrNameLst>
-                                      </p:cBhvr>
-                                      <p:tavLst>
-                                        <p:tav tm="0">
-                                          <p:val>
-                                            <p:strVal val="#ppt_x"/>
-                                          </p:val>
-                                        </p:tav>
-                                        <p:tav tm="100000">
-                                          <p:val>
-                                            <p:strVal val="#ppt_x"/>
-                                          </p:val>
-                                        </p:tav>
-                                      </p:tavLst>
-                                    </p:anim>
-                                    <p:anim calcmode="lin" valueType="num">
-                                      <p:cBhvr>
-                                        <p:cTn id="14" dur="1000" fill="hold"/>
-                                        <p:tgtEl>
-                                          <p:spTgt spid="3">
-                                            <p:txEl>
-                                              <p:pRg st="3" end="3"/>
-                                            </p:txEl>
-                                          </p:spTgt>
-                                        </p:tgtEl>
-                                        <p:attrNameLst>
-                                          <p:attrName>ppt_y</p:attrName>
-                                        </p:attrNameLst>
-                                      </p:cBhvr>
-                                      <p:tavLst>
-                                        <p:tav tm="0">
-                                          <p:val>
-                                            <p:strVal val="#ppt_y+.1"/>
-                                          </p:val>
-                                        </p:tav>
-                                        <p:tav tm="100000">
-                                          <p:val>
-                                            <p:strVal val="#ppt_y"/>
-                                          </p:val>
-                                        </p:tav>
-                                      </p:tavLst>
-                                    </p:anim>
-                                  </p:childTnLst>
-                                </p:cTn>
-                              </p:par>
-                              <p:par>
-                                <p:cTn id="15" presetID="42" presetClass="entr" presetSubtype="0" fill="hold" nodeType="withEffect">
-                                  <p:stCondLst>
-                                    <p:cond delay="0"/>
-                                  </p:stCondLst>
-                                  <p:childTnLst>
-                                    <p:set>
-                                      <p:cBhvr>
-                                        <p:cTn id="16" dur="1" fill="hold">
-                                          <p:stCondLst>
-                                            <p:cond delay="0"/>
-                                          </p:stCondLst>
-                                        </p:cTn>
-                                        <p:tgtEl>
-                                          <p:spTgt spid="3">
-                                            <p:txEl>
-                                              <p:pRg st="5" end="5"/>
-                                            </p:txEl>
-                                          </p:spTgt>
-                                        </p:tgtEl>
-                                        <p:attrNameLst>
-                                          <p:attrName>style.visibility</p:attrName>
-                                        </p:attrNameLst>
-                                      </p:cBhvr>
-                                      <p:to>
-                                        <p:strVal val="visible"/>
-                                      </p:to>
-                                    </p:set>
-                                    <p:animEffect transition="in" filter="fade">
-                                      <p:cBhvr>
-                                        <p:cTn id="17" dur="1000"/>
-                                        <p:tgtEl>
-                                          <p:spTgt spid="3">
-                                            <p:txEl>
-                                              <p:pRg st="5" end="5"/>
-                                            </p:txEl>
-                                          </p:spTgt>
-                                        </p:tgtEl>
-                                      </p:cBhvr>
-                                    </p:animEffect>
-                                    <p:anim calcmode="lin" valueType="num">
-                                      <p:cBhvr>
-                                        <p:cTn id="18" dur="1000" fill="hold"/>
-                                        <p:tgtEl>
-                                          <p:spTgt spid="3">
-                                            <p:txEl>
-                                              <p:pRg st="5" end="5"/>
-                                            </p:txEl>
-                                          </p:spTgt>
-                                        </p:tgtEl>
-                                        <p:attrNameLst>
-                                          <p:attrName>ppt_x</p:attrName>
-                                        </p:attrNameLst>
-                                      </p:cBhvr>
-                                      <p:tavLst>
-                                        <p:tav tm="0">
-                                          <p:val>
-                                            <p:strVal val="#ppt_x"/>
-                                          </p:val>
-                                        </p:tav>
-                                        <p:tav tm="100000">
-                                          <p:val>
-                                            <p:strVal val="#ppt_x"/>
-                                          </p:val>
-                                        </p:tav>
-                                      </p:tavLst>
-                                    </p:anim>
-                                    <p:anim calcmode="lin" valueType="num">
-                                      <p:cBhvr>
-                                        <p:cTn id="19" dur="1000" fill="hold"/>
-                                        <p:tgtEl>
-                                          <p:spTgt spid="3">
-                                            <p:txEl>
-                                              <p:pRg st="5" end="5"/>
-                                            </p:txEl>
-                                          </p:spTgt>
-                                        </p:tgtEl>
-                                        <p:attrNameLst>
-                                          <p:attrName>ppt_y</p:attrName>
-                                        </p:attrNameLst>
-                                      </p:cBhvr>
-                                      <p:tavLst>
-                                        <p:tav tm="0">
-                                          <p:val>
-                                            <p:strVal val="#ppt_y+.1"/>
-                                          </p:val>
-                                        </p:tav>
-                                        <p:tav tm="100000">
-                                          <p:val>
-                                            <p:strVal val="#ppt_y"/>
-                                          </p:val>
-                                        </p:tav>
-                                      </p:tavLst>
-                                    </p:anim>
-                                  </p:childTnLst>
-                                </p:cTn>
-                              </p:par>
-                            </p:childTnLst>
-                          </p:cTn>
-                        </p:par>
-                      </p:childTnLst>
-                    </p:cTn>
-                  </p:par>
-                  <p:par>
-                    <p:cTn id="20" fill="hold">
-                      <p:stCondLst>
-                        <p:cond delay="indefinite"/>
-                      </p:stCondLst>
-                      <p:childTnLst>
-                        <p:par>
-                          <p:cTn id="21" fill="hold">
-                            <p:stCondLst>
-                              <p:cond delay="0"/>
-                            </p:stCondLst>
-                            <p:childTnLst>
-                              <p:par>
-                                <p:cTn id="22" presetID="16" presetClass="entr" presetSubtype="21" fill="hold" grpId="0" nodeType="clickEffect">
-                                  <p:stCondLst>
-                                    <p:cond delay="0"/>
-                                  </p:stCondLst>
-                                  <p:childTnLst>
-                                    <p:set>
-                                      <p:cBhvr>
-                                        <p:cTn id="23" dur="1" fill="hold">
-                                          <p:stCondLst>
-                                            <p:cond delay="0"/>
-                                          </p:stCondLst>
-                                        </p:cTn>
-                                        <p:tgtEl>
-                                          <p:spTgt spid="6"/>
-                                        </p:tgtEl>
-                                        <p:attrNameLst>
-                                          <p:attrName>style.visibility</p:attrName>
-                                        </p:attrNameLst>
-                                      </p:cBhvr>
-                                      <p:to>
-                                        <p:strVal val="visible"/>
-                                      </p:to>
-                                    </p:set>
-                                    <p:animEffect transition="in" filter="barn(inVertical)">
-                                      <p:cBhvr>
-                                        <p:cTn id="24" dur="500"/>
-                                        <p:tgtEl>
-                                          <p:spTgt spid="6"/>
-                                        </p:tgtEl>
-                                      </p:cBhvr>
-                                    </p:animEffect>
-                                  </p:childTnLst>
-                                </p:cTn>
-                              </p:par>
-                            </p:childTnLst>
-                          </p:cTn>
-                        </p:par>
-                      </p:childTnLst>
-                    </p:cTn>
-                  </p:par>
-                  <p:par>
-                    <p:cTn id="25" fill="hold">
-                      <p:stCondLst>
-                        <p:cond delay="indefinite"/>
-                      </p:stCondLst>
-                      <p:childTnLst>
-                        <p:par>
-                          <p:cTn id="26" fill="hold">
-                            <p:stCondLst>
-                              <p:cond delay="0"/>
-                            </p:stCondLst>
-                            <p:childTnLst>
-                              <p:par>
-                                <p:cTn id="27" presetID="2" presetClass="entr" presetSubtype="4" fill="hold" nodeType="clickEffect">
-                                  <p:stCondLst>
-                                    <p:cond delay="0"/>
-                                  </p:stCondLst>
-                                  <p:childTnLst>
-                                    <p:set>
-                                      <p:cBhvr>
-                                        <p:cTn id="28" dur="1" fill="hold">
-                                          <p:stCondLst>
-                                            <p:cond delay="0"/>
-                                          </p:stCondLst>
-                                        </p:cTn>
-                                        <p:tgtEl>
-                                          <p:spTgt spid="3">
-                                            <p:txEl>
-                                              <p:pRg st="9" end="9"/>
-                                            </p:txEl>
-                                          </p:spTgt>
-                                        </p:tgtEl>
-                                        <p:attrNameLst>
-                                          <p:attrName>style.visibility</p:attrName>
-                                        </p:attrNameLst>
-                                      </p:cBhvr>
-                                      <p:to>
-                                        <p:strVal val="visible"/>
-                                      </p:to>
-                                    </p:set>
-                                    <p:anim calcmode="lin" valueType="num">
-                                      <p:cBhvr additive="base">
-                                        <p:cTn id="29" dur="500" fill="hold"/>
-                                        <p:tgtEl>
-                                          <p:spTgt spid="3">
-                                            <p:txEl>
-                                              <p:pRg st="9" end="9"/>
-                                            </p:txEl>
-                                          </p:spTgt>
-                                        </p:tgtEl>
-                                        <p:attrNameLst>
-                                          <p:attrName>ppt_x</p:attrName>
-                                        </p:attrNameLst>
-                                      </p:cBhvr>
-                                      <p:tavLst>
-                                        <p:tav tm="0">
-                                          <p:val>
-                                            <p:strVal val="#ppt_x"/>
-                                          </p:val>
-                                        </p:tav>
-                                        <p:tav tm="100000">
-                                          <p:val>
-                                            <p:strVal val="#ppt_x"/>
-                                          </p:val>
-                                        </p:tav>
-                                      </p:tavLst>
-                                    </p:anim>
-                                    <p:anim calcmode="lin" valueType="num">
-                                      <p:cBhvr additive="base">
-                                        <p:cTn id="30" dur="500" fill="hold"/>
-                                        <p:tgtEl>
-                                          <p:spTgt spid="3">
-                                            <p:txEl>
-                                              <p:pRg st="9" end="9"/>
-                                            </p:txEl>
-                                          </p:spTgt>
-                                        </p:tgtEl>
-                                        <p:attrNameLst>
-                                          <p:attrName>ppt_y</p:attrName>
-                                        </p:attrNameLst>
-                                      </p:cBhvr>
-                                      <p:tavLst>
-                                        <p:tav tm="0">
-                                          <p:val>
-                                            <p:strVal val="1+#ppt_h/2"/>
-                                          </p:val>
-                                        </p:tav>
-                                        <p:tav tm="100000">
-                                          <p:val>
-                                            <p:strVal val="#ppt_y"/>
-                                          </p:val>
-                                        </p:tav>
-                                      </p:tavLst>
-                                    </p:anim>
-                                  </p:childTnLst>
-                                </p:cTn>
-                              </p:par>
-                              <p:par>
-                                <p:cTn id="31" presetID="2" presetClass="entr" presetSubtype="4" fill="hold" nodeType="withEffect">
-                                  <p:stCondLst>
-                                    <p:cond delay="0"/>
-                                  </p:stCondLst>
-                                  <p:childTnLst>
-                                    <p:set>
-                                      <p:cBhvr>
-                                        <p:cTn id="32" dur="1" fill="hold">
-                                          <p:stCondLst>
-                                            <p:cond delay="0"/>
-                                          </p:stCondLst>
-                                        </p:cTn>
-                                        <p:tgtEl>
-                                          <p:spTgt spid="3">
-                                            <p:txEl>
-                                              <p:pRg st="10" end="10"/>
-                                            </p:txEl>
-                                          </p:spTgt>
-                                        </p:tgtEl>
-                                        <p:attrNameLst>
-                                          <p:attrName>style.visibility</p:attrName>
-                                        </p:attrNameLst>
-                                      </p:cBhvr>
-                                      <p:to>
-                                        <p:strVal val="visible"/>
-                                      </p:to>
-                                    </p:set>
-                                    <p:anim calcmode="lin" valueType="num">
-                                      <p:cBhvr additive="base">
-                                        <p:cTn id="33" dur="500" fill="hold"/>
-                                        <p:tgtEl>
-                                          <p:spTgt spid="3">
-                                            <p:txEl>
-                                              <p:pRg st="10" end="10"/>
-                                            </p:txEl>
-                                          </p:spTgt>
-                                        </p:tgtEl>
-                                        <p:attrNameLst>
-                                          <p:attrName>ppt_x</p:attrName>
-                                        </p:attrNameLst>
-                                      </p:cBhvr>
-                                      <p:tavLst>
-                                        <p:tav tm="0">
-                                          <p:val>
-                                            <p:strVal val="#ppt_x"/>
-                                          </p:val>
-                                        </p:tav>
-                                        <p:tav tm="100000">
-                                          <p:val>
-                                            <p:strVal val="#ppt_x"/>
-                                          </p:val>
-                                        </p:tav>
-                                      </p:tavLst>
-                                    </p:anim>
-                                    <p:anim calcmode="lin" valueType="num">
-                                      <p:cBhvr additive="base">
-                                        <p:cTn id="34" dur="500" fill="hold"/>
-                                        <p:tgtEl>
-                                          <p:spTgt spid="3">
-                                            <p:txEl>
-                                              <p:pRg st="10" end="10"/>
-                                            </p:txEl>
-                                          </p:spTgt>
-                                        </p:tgtEl>
-                                        <p:attrNameLst>
-                                          <p:attrName>ppt_y</p:attrName>
-                                        </p:attrNameLst>
-                                      </p:cBhvr>
-                                      <p:tavLst>
-                                        <p:tav tm="0">
-                                          <p:val>
-                                            <p:strVal val="1+#ppt_h/2"/>
-                                          </p:val>
-                                        </p:tav>
-                                        <p:tav tm="100000">
-                                          <p:val>
-                                            <p:strVal val="#ppt_y"/>
-                                          </p:val>
-                                        </p:tav>
-                                      </p:tavLst>
-                                    </p:anim>
                                   </p:childTnLst>
                                 </p:cTn>
                               </p:par>
@@ -6437,7 +6013,8 @@
       </p:par>
     </p:tnLst>
     <p:bldLst>
-      <p:bldGraphic spid="6" grpId="0">
+      <p:bldP spid="3" grpId="0"/>
+      <p:bldGraphic spid="7" grpId="0">
         <p:bldAsOne/>
       </p:bldGraphic>
     </p:bldLst>
@@ -6510,19 +6087,19 @@
             </a:pPr>
             <a:r>
               <a:rPr lang="en-US" dirty="0"/>
-              <a:t>Earlier, we created </a:t>
+              <a:t> Earlier, a </a:t>
             </a:r>
             <a:r>
               <a:rPr lang="en-US" b="1" dirty="0"/>
-              <a:t>separate object tables for each catalog</a:t>
+              <a:t>separate object table</a:t>
             </a:r>
             <a:r>
               <a:rPr lang="en-US" dirty="0"/>
-              <a:t>, consuming unnecessary storage.</a:t>
-            </a:r>
-          </a:p>
-          <a:p>
-            <a:endParaRPr lang="en-US" dirty="0"/>
+              <a:t> was created for each catalog.</a:t>
+            </a:r>
+          </a:p>
+          <a:p>
+            <a:endParaRPr lang="en-US" sz="1100" dirty="0"/>
           </a:p>
           <a:p>
             <a:pPr>
@@ -6531,7 +6108,7 @@
             </a:pPr>
             <a:r>
               <a:rPr lang="en-US" dirty="0"/>
-              <a:t>Now, </a:t>
+              <a:t> Now, </a:t>
             </a:r>
             <a:r>
               <a:rPr lang="en-US" b="1" dirty="0"/>
@@ -6549,7 +6126,7 @@
             </a:r>
             <a:r>
               <a:rPr lang="en-US" b="1" dirty="0"/>
-              <a:t>more data within the same space</a:t>
+              <a:t>more data within the same space and save money</a:t>
             </a:r>
             <a:r>
               <a:rPr lang="en-US" dirty="0"/>
@@ -6560,7 +6137,7 @@
             <a:pPr>
               <a:defRPr sz="2200"/>
             </a:pPr>
-            <a:endParaRPr lang="en-IN" dirty="0"/>
+            <a:endParaRPr lang="en-IN" sz="2000" dirty="0"/>
           </a:p>
           <a:p>
             <a:r>
@@ -6582,7 +6159,38 @@
             </a:pPr>
             <a:r>
               <a:rPr lang="en-US" dirty="0"/>
-              <a:t>The system </a:t>
+              <a:t> Eliminates the </a:t>
+            </a:r>
+            <a:r>
+              <a:rPr lang="en-US" b="1" dirty="0"/>
+              <a:t>need to manually track</a:t>
+            </a:r>
+            <a:r>
+              <a:rPr lang="en-US" dirty="0"/>
+              <a:t> which catalog files belong to which</a:t>
+            </a:r>
+          </a:p>
+          <a:p>
+            <a:r>
+              <a:rPr lang="en-US" dirty="0"/>
+              <a:t>table.</a:t>
+            </a:r>
+          </a:p>
+          <a:p>
+            <a:pPr>
+              <a:buFont typeface="Arial" panose="020B0604020202020204" pitchFamily="34" charset="0"/>
+              <a:buChar char="•"/>
+            </a:pPr>
+            <a:endParaRPr lang="en-US" sz="900" dirty="0"/>
+          </a:p>
+          <a:p>
+            <a:pPr>
+              <a:buFont typeface="Arial" panose="020B0604020202020204" pitchFamily="34" charset="0"/>
+              <a:buChar char="•"/>
+            </a:pPr>
+            <a:r>
+              <a:rPr lang="en-US" dirty="0"/>
+              <a:t> Creates and manages tables </a:t>
             </a:r>
             <a:r>
               <a:rPr lang="en-US" b="1" dirty="0"/>
@@ -6590,19 +6198,15 @@
             </a:r>
             <a:r>
               <a:rPr lang="en-US" dirty="0"/>
-              <a:t> creates a separate table for each catalog and consolidates all extracted data into </a:t>
-            </a:r>
-            <a:r>
-              <a:rPr lang="en-US" b="1" dirty="0"/>
-              <a:t>one final table</a:t>
-            </a:r>
-            <a:r>
-              <a:rPr lang="en-US" dirty="0"/>
-              <a:t>.</a:t>
-            </a:r>
-          </a:p>
-          <a:p>
-            <a:endParaRPr lang="en-US" dirty="0"/>
+              <a:t>, reducing workload.</a:t>
+            </a:r>
+          </a:p>
+          <a:p>
+            <a:pPr>
+              <a:buFont typeface="Arial" panose="020B0604020202020204" pitchFamily="34" charset="0"/>
+              <a:buChar char="•"/>
+            </a:pPr>
+            <a:endParaRPr lang="en-US" sz="1200" dirty="0"/>
           </a:p>
           <a:p>
             <a:r>
@@ -6615,7 +6219,7 @@
             </a:r>
           </a:p>
           <a:p>
-            <a:endParaRPr lang="en-US" dirty="0"/>
+            <a:endParaRPr lang="en-US" sz="1050" dirty="0"/>
           </a:p>
           <a:p>
             <a:pPr marL="285750" lvl="0" indent="-285750">
@@ -6715,7 +6319,7 @@
                             </p:stCondLst>
                             <p:childTnLst>
                               <p:par>
-                                <p:cTn id="5" presetID="16" presetClass="entr" presetSubtype="21" fill="hold" nodeType="clickEffect">
+                                <p:cTn id="5" presetID="2" presetClass="entr" presetSubtype="4" fill="hold" nodeType="clickEffect">
                                   <p:stCondLst>
                                     <p:cond delay="0"/>
                                   </p:stCondLst>
@@ -6742,368 +6346,13 @@
                                         <p:strVal val="visible"/>
                                       </p:to>
                                     </p:set>
-                                    <p:animEffect transition="in" filter="barn(inVertical)">
-                                      <p:cBhvr>
-                                        <p:cTn id="7" dur="500"/>
+                                    <p:anim calcmode="lin" valueType="num">
+                                      <p:cBhvr additive="base">
+                                        <p:cTn id="7" dur="500" fill="hold"/>
                                         <p:tgtEl>
                                           <p:spTgt spid="3">
                                             <p:txEl>
                                               <p:pRg st="1" end="1"/>
-                                            </p:txEl>
-                                          </p:spTgt>
-                                        </p:tgtEl>
-                                      </p:cBhvr>
-                                    </p:animEffect>
-                                  </p:childTnLst>
-                                </p:cTn>
-                              </p:par>
-                              <p:par>
-                                <p:cTn id="8" presetID="16" presetClass="entr" presetSubtype="21" fill="hold" nodeType="withEffect">
-                                  <p:stCondLst>
-                                    <p:cond delay="0"/>
-                                  </p:stCondLst>
-                                  <p:childTnLst>
-                                    <p:set>
-                                      <p:cBhvr>
-                                        <p:cTn id="9" dur="1" fill="hold">
-                                          <p:stCondLst>
-                                            <p:cond delay="0"/>
-                                          </p:stCondLst>
-                                        </p:cTn>
-                                        <p:tgtEl>
-                                          <p:spTgt spid="3">
-                                            <p:txEl>
-                                              <p:pRg st="3" end="3"/>
-                                            </p:txEl>
-                                          </p:spTgt>
-                                        </p:tgtEl>
-                                        <p:attrNameLst>
-                                          <p:attrName>style.visibility</p:attrName>
-                                        </p:attrNameLst>
-                                      </p:cBhvr>
-                                      <p:to>
-                                        <p:strVal val="visible"/>
-                                      </p:to>
-                                    </p:set>
-                                    <p:animEffect transition="in" filter="barn(inVertical)">
-                                      <p:cBhvr>
-                                        <p:cTn id="10" dur="500"/>
-                                        <p:tgtEl>
-                                          <p:spTgt spid="3">
-                                            <p:txEl>
-                                              <p:pRg st="3" end="3"/>
-                                            </p:txEl>
-                                          </p:spTgt>
-                                        </p:tgtEl>
-                                      </p:cBhvr>
-                                    </p:animEffect>
-                                  </p:childTnLst>
-                                </p:cTn>
-                              </p:par>
-                              <p:par>
-                                <p:cTn id="11" presetID="16" presetClass="entr" presetSubtype="21" fill="hold" nodeType="withEffect">
-                                  <p:stCondLst>
-                                    <p:cond delay="0"/>
-                                  </p:stCondLst>
-                                  <p:childTnLst>
-                                    <p:set>
-                                      <p:cBhvr>
-                                        <p:cTn id="12" dur="1" fill="hold">
-                                          <p:stCondLst>
-                                            <p:cond delay="0"/>
-                                          </p:stCondLst>
-                                        </p:cTn>
-                                        <p:tgtEl>
-                                          <p:spTgt spid="3">
-                                            <p:txEl>
-                                              <p:pRg st="5" end="5"/>
-                                            </p:txEl>
-                                          </p:spTgt>
-                                        </p:tgtEl>
-                                        <p:attrNameLst>
-                                          <p:attrName>style.visibility</p:attrName>
-                                        </p:attrNameLst>
-                                      </p:cBhvr>
-                                      <p:to>
-                                        <p:strVal val="visible"/>
-                                      </p:to>
-                                    </p:set>
-                                    <p:animEffect transition="in" filter="barn(inVertical)">
-                                      <p:cBhvr>
-                                        <p:cTn id="13" dur="500"/>
-                                        <p:tgtEl>
-                                          <p:spTgt spid="3">
-                                            <p:txEl>
-                                              <p:pRg st="5" end="5"/>
-                                            </p:txEl>
-                                          </p:spTgt>
-                                        </p:tgtEl>
-                                      </p:cBhvr>
-                                    </p:animEffect>
-                                  </p:childTnLst>
-                                </p:cTn>
-                              </p:par>
-                              <p:par>
-                                <p:cTn id="14" presetID="16" presetClass="entr" presetSubtype="21" fill="hold" nodeType="withEffect">
-                                  <p:stCondLst>
-                                    <p:cond delay="0"/>
-                                  </p:stCondLst>
-                                  <p:childTnLst>
-                                    <p:set>
-                                      <p:cBhvr>
-                                        <p:cTn id="15" dur="1" fill="hold">
-                                          <p:stCondLst>
-                                            <p:cond delay="0"/>
-                                          </p:stCondLst>
-                                        </p:cTn>
-                                        <p:tgtEl>
-                                          <p:spTgt spid="3">
-                                            <p:txEl>
-                                              <p:pRg st="6" end="6"/>
-                                            </p:txEl>
-                                          </p:spTgt>
-                                        </p:tgtEl>
-                                        <p:attrNameLst>
-                                          <p:attrName>style.visibility</p:attrName>
-                                        </p:attrNameLst>
-                                      </p:cBhvr>
-                                      <p:to>
-                                        <p:strVal val="visible"/>
-                                      </p:to>
-                                    </p:set>
-                                    <p:animEffect transition="in" filter="barn(inVertical)">
-                                      <p:cBhvr>
-                                        <p:cTn id="16" dur="500"/>
-                                        <p:tgtEl>
-                                          <p:spTgt spid="3">
-                                            <p:txEl>
-                                              <p:pRg st="6" end="6"/>
-                                            </p:txEl>
-                                          </p:spTgt>
-                                        </p:tgtEl>
-                                      </p:cBhvr>
-                                    </p:animEffect>
-                                  </p:childTnLst>
-                                </p:cTn>
-                              </p:par>
-                            </p:childTnLst>
-                          </p:cTn>
-                        </p:par>
-                      </p:childTnLst>
-                    </p:cTn>
-                  </p:par>
-                  <p:par>
-                    <p:cTn id="17" fill="hold">
-                      <p:stCondLst>
-                        <p:cond delay="indefinite"/>
-                      </p:stCondLst>
-                      <p:childTnLst>
-                        <p:par>
-                          <p:cTn id="18" fill="hold">
-                            <p:stCondLst>
-                              <p:cond delay="0"/>
-                            </p:stCondLst>
-                            <p:childTnLst>
-                              <p:par>
-                                <p:cTn id="19" presetID="10" presetClass="entr" presetSubtype="0" fill="hold" nodeType="clickEffect">
-                                  <p:stCondLst>
-                                    <p:cond delay="0"/>
-                                  </p:stCondLst>
-                                  <p:childTnLst>
-                                    <p:set>
-                                      <p:cBhvr>
-                                        <p:cTn id="20" dur="1" fill="hold">
-                                          <p:stCondLst>
-                                            <p:cond delay="0"/>
-                                          </p:stCondLst>
-                                        </p:cTn>
-                                        <p:tgtEl>
-                                          <p:spTgt spid="3">
-                                            <p:txEl>
-                                              <p:pRg st="8" end="8"/>
-                                            </p:txEl>
-                                          </p:spTgt>
-                                        </p:tgtEl>
-                                        <p:attrNameLst>
-                                          <p:attrName>style.visibility</p:attrName>
-                                        </p:attrNameLst>
-                                      </p:cBhvr>
-                                      <p:to>
-                                        <p:strVal val="visible"/>
-                                      </p:to>
-                                    </p:set>
-                                    <p:animEffect transition="in" filter="fade">
-                                      <p:cBhvr>
-                                        <p:cTn id="21" dur="500"/>
-                                        <p:tgtEl>
-                                          <p:spTgt spid="3">
-                                            <p:txEl>
-                                              <p:pRg st="8" end="8"/>
-                                            </p:txEl>
-                                          </p:spTgt>
-                                        </p:tgtEl>
-                                      </p:cBhvr>
-                                    </p:animEffect>
-                                  </p:childTnLst>
-                                </p:cTn>
-                              </p:par>
-                              <p:par>
-                                <p:cTn id="22" presetID="10" presetClass="entr" presetSubtype="0" fill="hold" nodeType="withEffect">
-                                  <p:stCondLst>
-                                    <p:cond delay="0"/>
-                                  </p:stCondLst>
-                                  <p:childTnLst>
-                                    <p:set>
-                                      <p:cBhvr>
-                                        <p:cTn id="23" dur="1" fill="hold">
-                                          <p:stCondLst>
-                                            <p:cond delay="0"/>
-                                          </p:stCondLst>
-                                        </p:cTn>
-                                        <p:tgtEl>
-                                          <p:spTgt spid="3">
-                                            <p:txEl>
-                                              <p:pRg st="10" end="10"/>
-                                            </p:txEl>
-                                          </p:spTgt>
-                                        </p:tgtEl>
-                                        <p:attrNameLst>
-                                          <p:attrName>style.visibility</p:attrName>
-                                        </p:attrNameLst>
-                                      </p:cBhvr>
-                                      <p:to>
-                                        <p:strVal val="visible"/>
-                                      </p:to>
-                                    </p:set>
-                                    <p:animEffect transition="in" filter="fade">
-                                      <p:cBhvr>
-                                        <p:cTn id="24" dur="500"/>
-                                        <p:tgtEl>
-                                          <p:spTgt spid="3">
-                                            <p:txEl>
-                                              <p:pRg st="10" end="10"/>
-                                            </p:txEl>
-                                          </p:spTgt>
-                                        </p:tgtEl>
-                                      </p:cBhvr>
-                                    </p:animEffect>
-                                  </p:childTnLst>
-                                </p:cTn>
-                              </p:par>
-                            </p:childTnLst>
-                          </p:cTn>
-                        </p:par>
-                      </p:childTnLst>
-                    </p:cTn>
-                  </p:par>
-                  <p:par>
-                    <p:cTn id="25" fill="hold">
-                      <p:stCondLst>
-                        <p:cond delay="indefinite"/>
-                      </p:stCondLst>
-                      <p:childTnLst>
-                        <p:par>
-                          <p:cTn id="26" fill="hold">
-                            <p:stCondLst>
-                              <p:cond delay="0"/>
-                            </p:stCondLst>
-                            <p:childTnLst>
-                              <p:par>
-                                <p:cTn id="27" presetID="16" presetClass="entr" presetSubtype="21" fill="hold" nodeType="clickEffect">
-                                  <p:stCondLst>
-                                    <p:cond delay="0"/>
-                                  </p:stCondLst>
-                                  <p:childTnLst>
-                                    <p:set>
-                                      <p:cBhvr>
-                                        <p:cTn id="28" dur="1" fill="hold">
-                                          <p:stCondLst>
-                                            <p:cond delay="0"/>
-                                          </p:stCondLst>
-                                        </p:cTn>
-                                        <p:tgtEl>
-                                          <p:spTgt spid="3">
-                                            <p:txEl>
-                                              <p:pRg st="12" end="12"/>
-                                            </p:txEl>
-                                          </p:spTgt>
-                                        </p:tgtEl>
-                                        <p:attrNameLst>
-                                          <p:attrName>style.visibility</p:attrName>
-                                        </p:attrNameLst>
-                                      </p:cBhvr>
-                                      <p:to>
-                                        <p:strVal val="visible"/>
-                                      </p:to>
-                                    </p:set>
-                                    <p:animEffect transition="in" filter="barn(inVertical)">
-                                      <p:cBhvr>
-                                        <p:cTn id="29" dur="500"/>
-                                        <p:tgtEl>
-                                          <p:spTgt spid="3">
-                                            <p:txEl>
-                                              <p:pRg st="12" end="12"/>
-                                            </p:txEl>
-                                          </p:spTgt>
-                                        </p:tgtEl>
-                                      </p:cBhvr>
-                                    </p:animEffect>
-                                  </p:childTnLst>
-                                </p:cTn>
-                              </p:par>
-                            </p:childTnLst>
-                          </p:cTn>
-                        </p:par>
-                      </p:childTnLst>
-                    </p:cTn>
-                  </p:par>
-                  <p:par>
-                    <p:cTn id="30" fill="hold">
-                      <p:stCondLst>
-                        <p:cond delay="indefinite"/>
-                      </p:stCondLst>
-                      <p:childTnLst>
-                        <p:par>
-                          <p:cTn id="31" fill="hold">
-                            <p:stCondLst>
-                              <p:cond delay="0"/>
-                            </p:stCondLst>
-                            <p:childTnLst>
-                              <p:par>
-                                <p:cTn id="32" presetID="2" presetClass="entr" presetSubtype="4" fill="hold" nodeType="clickEffect">
-                                  <p:stCondLst>
-                                    <p:cond delay="0"/>
-                                  </p:stCondLst>
-                                  <p:childTnLst>
-                                    <p:set>
-                                      <p:cBhvr>
-                                        <p:cTn id="33" dur="1" fill="hold">
-                                          <p:stCondLst>
-                                            <p:cond delay="0"/>
-                                          </p:stCondLst>
-                                        </p:cTn>
-                                        <p:tgtEl>
-                                          <p:spTgt spid="3">
-                                            <p:txEl>
-                                              <p:pRg st="14" end="14"/>
-                                            </p:txEl>
-                                          </p:spTgt>
-                                        </p:tgtEl>
-                                        <p:attrNameLst>
-                                          <p:attrName>style.visibility</p:attrName>
-                                        </p:attrNameLst>
-                                      </p:cBhvr>
-                                      <p:to>
-                                        <p:strVal val="visible"/>
-                                      </p:to>
-                                    </p:set>
-                                    <p:anim calcmode="lin" valueType="num">
-                                      <p:cBhvr additive="base">
-                                        <p:cTn id="34" dur="500" fill="hold"/>
-                                        <p:tgtEl>
-                                          <p:spTgt spid="3">
-                                            <p:txEl>
-                                              <p:pRg st="14" end="14"/>
                                             </p:txEl>
                                           </p:spTgt>
                                         </p:tgtEl>
@@ -7126,11 +6375,11 @@
                                     </p:anim>
                                     <p:anim calcmode="lin" valueType="num">
                                       <p:cBhvr additive="base">
-                                        <p:cTn id="35" dur="500" fill="hold"/>
+                                        <p:cTn id="8" dur="500" fill="hold"/>
                                         <p:tgtEl>
                                           <p:spTgt spid="3">
                                             <p:txEl>
-                                              <p:pRg st="14" end="14"/>
+                                              <p:pRg st="1" end="1"/>
                                             </p:txEl>
                                           </p:spTgt>
                                         </p:tgtEl>
@@ -7154,15 +6403,754 @@
                                   </p:childTnLst>
                                 </p:cTn>
                               </p:par>
+                            </p:childTnLst>
+                          </p:cTn>
+                        </p:par>
+                      </p:childTnLst>
+                    </p:cTn>
+                  </p:par>
+                  <p:par>
+                    <p:cTn id="9" fill="hold">
+                      <p:stCondLst>
+                        <p:cond delay="indefinite"/>
+                      </p:stCondLst>
+                      <p:childTnLst>
+                        <p:par>
+                          <p:cTn id="10" fill="hold">
+                            <p:stCondLst>
+                              <p:cond delay="0"/>
+                            </p:stCondLst>
+                            <p:childTnLst>
                               <p:par>
-                                <p:cTn id="36" presetID="2" presetClass="entr" presetSubtype="4" fill="hold" nodeType="withEffect">
+                                <p:cTn id="11" presetID="42" presetClass="entr" presetSubtype="0" fill="hold" nodeType="clickEffect">
                                   <p:stCondLst>
                                     <p:cond delay="0"/>
                                   </p:stCondLst>
                                   <p:childTnLst>
                                     <p:set>
                                       <p:cBhvr>
-                                        <p:cTn id="37" dur="1" fill="hold">
+                                        <p:cTn id="12" dur="1" fill="hold">
+                                          <p:stCondLst>
+                                            <p:cond delay="0"/>
+                                          </p:stCondLst>
+                                        </p:cTn>
+                                        <p:tgtEl>
+                                          <p:spTgt spid="3">
+                                            <p:txEl>
+                                              <p:pRg st="3" end="3"/>
+                                            </p:txEl>
+                                          </p:spTgt>
+                                        </p:tgtEl>
+                                        <p:attrNameLst>
+                                          <p:attrName>style.visibility</p:attrName>
+                                        </p:attrNameLst>
+                                      </p:cBhvr>
+                                      <p:to>
+                                        <p:strVal val="visible"/>
+                                      </p:to>
+                                    </p:set>
+                                    <p:animEffect transition="in" filter="fade">
+                                      <p:cBhvr>
+                                        <p:cTn id="13" dur="1000"/>
+                                        <p:tgtEl>
+                                          <p:spTgt spid="3">
+                                            <p:txEl>
+                                              <p:pRg st="3" end="3"/>
+                                            </p:txEl>
+                                          </p:spTgt>
+                                        </p:tgtEl>
+                                      </p:cBhvr>
+                                    </p:animEffect>
+                                    <p:anim calcmode="lin" valueType="num">
+                                      <p:cBhvr>
+                                        <p:cTn id="14" dur="1000" fill="hold"/>
+                                        <p:tgtEl>
+                                          <p:spTgt spid="3">
+                                            <p:txEl>
+                                              <p:pRg st="3" end="3"/>
+                                            </p:txEl>
+                                          </p:spTgt>
+                                        </p:tgtEl>
+                                        <p:attrNameLst>
+                                          <p:attrName>ppt_x</p:attrName>
+                                        </p:attrNameLst>
+                                      </p:cBhvr>
+                                      <p:tavLst>
+                                        <p:tav tm="0">
+                                          <p:val>
+                                            <p:strVal val="#ppt_x"/>
+                                          </p:val>
+                                        </p:tav>
+                                        <p:tav tm="100000">
+                                          <p:val>
+                                            <p:strVal val="#ppt_x"/>
+                                          </p:val>
+                                        </p:tav>
+                                      </p:tavLst>
+                                    </p:anim>
+                                    <p:anim calcmode="lin" valueType="num">
+                                      <p:cBhvr>
+                                        <p:cTn id="15" dur="1000" fill="hold"/>
+                                        <p:tgtEl>
+                                          <p:spTgt spid="3">
+                                            <p:txEl>
+                                              <p:pRg st="3" end="3"/>
+                                            </p:txEl>
+                                          </p:spTgt>
+                                        </p:tgtEl>
+                                        <p:attrNameLst>
+                                          <p:attrName>ppt_y</p:attrName>
+                                        </p:attrNameLst>
+                                      </p:cBhvr>
+                                      <p:tavLst>
+                                        <p:tav tm="0">
+                                          <p:val>
+                                            <p:strVal val="#ppt_y+.1"/>
+                                          </p:val>
+                                        </p:tav>
+                                        <p:tav tm="100000">
+                                          <p:val>
+                                            <p:strVal val="#ppt_y"/>
+                                          </p:val>
+                                        </p:tav>
+                                      </p:tavLst>
+                                    </p:anim>
+                                  </p:childTnLst>
+                                </p:cTn>
+                              </p:par>
+                              <p:par>
+                                <p:cTn id="16" presetID="42" presetClass="entr" presetSubtype="0" fill="hold" nodeType="withEffect">
+                                  <p:stCondLst>
+                                    <p:cond delay="0"/>
+                                  </p:stCondLst>
+                                  <p:childTnLst>
+                                    <p:set>
+                                      <p:cBhvr>
+                                        <p:cTn id="17" dur="1" fill="hold">
+                                          <p:stCondLst>
+                                            <p:cond delay="0"/>
+                                          </p:stCondLst>
+                                        </p:cTn>
+                                        <p:tgtEl>
+                                          <p:spTgt spid="3">
+                                            <p:txEl>
+                                              <p:pRg st="5" end="5"/>
+                                            </p:txEl>
+                                          </p:spTgt>
+                                        </p:tgtEl>
+                                        <p:attrNameLst>
+                                          <p:attrName>style.visibility</p:attrName>
+                                        </p:attrNameLst>
+                                      </p:cBhvr>
+                                      <p:to>
+                                        <p:strVal val="visible"/>
+                                      </p:to>
+                                    </p:set>
+                                    <p:animEffect transition="in" filter="fade">
+                                      <p:cBhvr>
+                                        <p:cTn id="18" dur="1000"/>
+                                        <p:tgtEl>
+                                          <p:spTgt spid="3">
+                                            <p:txEl>
+                                              <p:pRg st="5" end="5"/>
+                                            </p:txEl>
+                                          </p:spTgt>
+                                        </p:tgtEl>
+                                      </p:cBhvr>
+                                    </p:animEffect>
+                                    <p:anim calcmode="lin" valueType="num">
+                                      <p:cBhvr>
+                                        <p:cTn id="19" dur="1000" fill="hold"/>
+                                        <p:tgtEl>
+                                          <p:spTgt spid="3">
+                                            <p:txEl>
+                                              <p:pRg st="5" end="5"/>
+                                            </p:txEl>
+                                          </p:spTgt>
+                                        </p:tgtEl>
+                                        <p:attrNameLst>
+                                          <p:attrName>ppt_x</p:attrName>
+                                        </p:attrNameLst>
+                                      </p:cBhvr>
+                                      <p:tavLst>
+                                        <p:tav tm="0">
+                                          <p:val>
+                                            <p:strVal val="#ppt_x"/>
+                                          </p:val>
+                                        </p:tav>
+                                        <p:tav tm="100000">
+                                          <p:val>
+                                            <p:strVal val="#ppt_x"/>
+                                          </p:val>
+                                        </p:tav>
+                                      </p:tavLst>
+                                    </p:anim>
+                                    <p:anim calcmode="lin" valueType="num">
+                                      <p:cBhvr>
+                                        <p:cTn id="20" dur="1000" fill="hold"/>
+                                        <p:tgtEl>
+                                          <p:spTgt spid="3">
+                                            <p:txEl>
+                                              <p:pRg st="5" end="5"/>
+                                            </p:txEl>
+                                          </p:spTgt>
+                                        </p:tgtEl>
+                                        <p:attrNameLst>
+                                          <p:attrName>ppt_y</p:attrName>
+                                        </p:attrNameLst>
+                                      </p:cBhvr>
+                                      <p:tavLst>
+                                        <p:tav tm="0">
+                                          <p:val>
+                                            <p:strVal val="#ppt_y+.1"/>
+                                          </p:val>
+                                        </p:tav>
+                                        <p:tav tm="100000">
+                                          <p:val>
+                                            <p:strVal val="#ppt_y"/>
+                                          </p:val>
+                                        </p:tav>
+                                      </p:tavLst>
+                                    </p:anim>
+                                  </p:childTnLst>
+                                </p:cTn>
+                              </p:par>
+                              <p:par>
+                                <p:cTn id="21" presetID="42" presetClass="entr" presetSubtype="0" fill="hold" nodeType="withEffect">
+                                  <p:stCondLst>
+                                    <p:cond delay="0"/>
+                                  </p:stCondLst>
+                                  <p:childTnLst>
+                                    <p:set>
+                                      <p:cBhvr>
+                                        <p:cTn id="22" dur="1" fill="hold">
+                                          <p:stCondLst>
+                                            <p:cond delay="0"/>
+                                          </p:stCondLst>
+                                        </p:cTn>
+                                        <p:tgtEl>
+                                          <p:spTgt spid="3">
+                                            <p:txEl>
+                                              <p:pRg st="6" end="6"/>
+                                            </p:txEl>
+                                          </p:spTgt>
+                                        </p:tgtEl>
+                                        <p:attrNameLst>
+                                          <p:attrName>style.visibility</p:attrName>
+                                        </p:attrNameLst>
+                                      </p:cBhvr>
+                                      <p:to>
+                                        <p:strVal val="visible"/>
+                                      </p:to>
+                                    </p:set>
+                                    <p:animEffect transition="in" filter="fade">
+                                      <p:cBhvr>
+                                        <p:cTn id="23" dur="1000"/>
+                                        <p:tgtEl>
+                                          <p:spTgt spid="3">
+                                            <p:txEl>
+                                              <p:pRg st="6" end="6"/>
+                                            </p:txEl>
+                                          </p:spTgt>
+                                        </p:tgtEl>
+                                      </p:cBhvr>
+                                    </p:animEffect>
+                                    <p:anim calcmode="lin" valueType="num">
+                                      <p:cBhvr>
+                                        <p:cTn id="24" dur="1000" fill="hold"/>
+                                        <p:tgtEl>
+                                          <p:spTgt spid="3">
+                                            <p:txEl>
+                                              <p:pRg st="6" end="6"/>
+                                            </p:txEl>
+                                          </p:spTgt>
+                                        </p:tgtEl>
+                                        <p:attrNameLst>
+                                          <p:attrName>ppt_x</p:attrName>
+                                        </p:attrNameLst>
+                                      </p:cBhvr>
+                                      <p:tavLst>
+                                        <p:tav tm="0">
+                                          <p:val>
+                                            <p:strVal val="#ppt_x"/>
+                                          </p:val>
+                                        </p:tav>
+                                        <p:tav tm="100000">
+                                          <p:val>
+                                            <p:strVal val="#ppt_x"/>
+                                          </p:val>
+                                        </p:tav>
+                                      </p:tavLst>
+                                    </p:anim>
+                                    <p:anim calcmode="lin" valueType="num">
+                                      <p:cBhvr>
+                                        <p:cTn id="25" dur="1000" fill="hold"/>
+                                        <p:tgtEl>
+                                          <p:spTgt spid="3">
+                                            <p:txEl>
+                                              <p:pRg st="6" end="6"/>
+                                            </p:txEl>
+                                          </p:spTgt>
+                                        </p:tgtEl>
+                                        <p:attrNameLst>
+                                          <p:attrName>ppt_y</p:attrName>
+                                        </p:attrNameLst>
+                                      </p:cBhvr>
+                                      <p:tavLst>
+                                        <p:tav tm="0">
+                                          <p:val>
+                                            <p:strVal val="#ppt_y+.1"/>
+                                          </p:val>
+                                        </p:tav>
+                                        <p:tav tm="100000">
+                                          <p:val>
+                                            <p:strVal val="#ppt_y"/>
+                                          </p:val>
+                                        </p:tav>
+                                      </p:tavLst>
+                                    </p:anim>
+                                  </p:childTnLst>
+                                </p:cTn>
+                              </p:par>
+                            </p:childTnLst>
+                          </p:cTn>
+                        </p:par>
+                      </p:childTnLst>
+                    </p:cTn>
+                  </p:par>
+                  <p:par>
+                    <p:cTn id="26" fill="hold">
+                      <p:stCondLst>
+                        <p:cond delay="indefinite"/>
+                      </p:stCondLst>
+                      <p:childTnLst>
+                        <p:par>
+                          <p:cTn id="27" fill="hold">
+                            <p:stCondLst>
+                              <p:cond delay="0"/>
+                            </p:stCondLst>
+                            <p:childTnLst>
+                              <p:par>
+                                <p:cTn id="28" presetID="2" presetClass="entr" presetSubtype="4" fill="hold" nodeType="clickEffect">
+                                  <p:stCondLst>
+                                    <p:cond delay="0"/>
+                                  </p:stCondLst>
+                                  <p:childTnLst>
+                                    <p:set>
+                                      <p:cBhvr>
+                                        <p:cTn id="29" dur="1" fill="hold">
+                                          <p:stCondLst>
+                                            <p:cond delay="0"/>
+                                          </p:stCondLst>
+                                        </p:cTn>
+                                        <p:tgtEl>
+                                          <p:spTgt spid="3">
+                                            <p:txEl>
+                                              <p:pRg st="8" end="8"/>
+                                            </p:txEl>
+                                          </p:spTgt>
+                                        </p:tgtEl>
+                                        <p:attrNameLst>
+                                          <p:attrName>style.visibility</p:attrName>
+                                        </p:attrNameLst>
+                                      </p:cBhvr>
+                                      <p:to>
+                                        <p:strVal val="visible"/>
+                                      </p:to>
+                                    </p:set>
+                                    <p:anim calcmode="lin" valueType="num">
+                                      <p:cBhvr additive="base">
+                                        <p:cTn id="30" dur="500" fill="hold"/>
+                                        <p:tgtEl>
+                                          <p:spTgt spid="3">
+                                            <p:txEl>
+                                              <p:pRg st="8" end="8"/>
+                                            </p:txEl>
+                                          </p:spTgt>
+                                        </p:tgtEl>
+                                        <p:attrNameLst>
+                                          <p:attrName>ppt_x</p:attrName>
+                                        </p:attrNameLst>
+                                      </p:cBhvr>
+                                      <p:tavLst>
+                                        <p:tav tm="0">
+                                          <p:val>
+                                            <p:strVal val="#ppt_x"/>
+                                          </p:val>
+                                        </p:tav>
+                                        <p:tav tm="100000">
+                                          <p:val>
+                                            <p:strVal val="#ppt_x"/>
+                                          </p:val>
+                                        </p:tav>
+                                      </p:tavLst>
+                                    </p:anim>
+                                    <p:anim calcmode="lin" valueType="num">
+                                      <p:cBhvr additive="base">
+                                        <p:cTn id="31" dur="500" fill="hold"/>
+                                        <p:tgtEl>
+                                          <p:spTgt spid="3">
+                                            <p:txEl>
+                                              <p:pRg st="8" end="8"/>
+                                            </p:txEl>
+                                          </p:spTgt>
+                                        </p:tgtEl>
+                                        <p:attrNameLst>
+                                          <p:attrName>ppt_y</p:attrName>
+                                        </p:attrNameLst>
+                                      </p:cBhvr>
+                                      <p:tavLst>
+                                        <p:tav tm="0">
+                                          <p:val>
+                                            <p:strVal val="1+#ppt_h/2"/>
+                                          </p:val>
+                                        </p:tav>
+                                        <p:tav tm="100000">
+                                          <p:val>
+                                            <p:strVal val="#ppt_y"/>
+                                          </p:val>
+                                        </p:tav>
+                                      </p:tavLst>
+                                    </p:anim>
+                                  </p:childTnLst>
+                                </p:cTn>
+                              </p:par>
+                            </p:childTnLst>
+                          </p:cTn>
+                        </p:par>
+                      </p:childTnLst>
+                    </p:cTn>
+                  </p:par>
+                  <p:par>
+                    <p:cTn id="32" fill="hold">
+                      <p:stCondLst>
+                        <p:cond delay="indefinite"/>
+                      </p:stCondLst>
+                      <p:childTnLst>
+                        <p:par>
+                          <p:cTn id="33" fill="hold">
+                            <p:stCondLst>
+                              <p:cond delay="0"/>
+                            </p:stCondLst>
+                            <p:childTnLst>
+                              <p:par>
+                                <p:cTn id="34" presetID="42" presetClass="entr" presetSubtype="0" fill="hold" nodeType="clickEffect">
+                                  <p:stCondLst>
+                                    <p:cond delay="0"/>
+                                  </p:stCondLst>
+                                  <p:childTnLst>
+                                    <p:set>
+                                      <p:cBhvr>
+                                        <p:cTn id="35" dur="1" fill="hold">
+                                          <p:stCondLst>
+                                            <p:cond delay="0"/>
+                                          </p:stCondLst>
+                                        </p:cTn>
+                                        <p:tgtEl>
+                                          <p:spTgt spid="3">
+                                            <p:txEl>
+                                              <p:pRg st="10" end="10"/>
+                                            </p:txEl>
+                                          </p:spTgt>
+                                        </p:tgtEl>
+                                        <p:attrNameLst>
+                                          <p:attrName>style.visibility</p:attrName>
+                                        </p:attrNameLst>
+                                      </p:cBhvr>
+                                      <p:to>
+                                        <p:strVal val="visible"/>
+                                      </p:to>
+                                    </p:set>
+                                    <p:animEffect transition="in" filter="fade">
+                                      <p:cBhvr>
+                                        <p:cTn id="36" dur="1000"/>
+                                        <p:tgtEl>
+                                          <p:spTgt spid="3">
+                                            <p:txEl>
+                                              <p:pRg st="10" end="10"/>
+                                            </p:txEl>
+                                          </p:spTgt>
+                                        </p:tgtEl>
+                                      </p:cBhvr>
+                                    </p:animEffect>
+                                    <p:anim calcmode="lin" valueType="num">
+                                      <p:cBhvr>
+                                        <p:cTn id="37" dur="1000" fill="hold"/>
+                                        <p:tgtEl>
+                                          <p:spTgt spid="3">
+                                            <p:txEl>
+                                              <p:pRg st="10" end="10"/>
+                                            </p:txEl>
+                                          </p:spTgt>
+                                        </p:tgtEl>
+                                        <p:attrNameLst>
+                                          <p:attrName>ppt_x</p:attrName>
+                                        </p:attrNameLst>
+                                      </p:cBhvr>
+                                      <p:tavLst>
+                                        <p:tav tm="0">
+                                          <p:val>
+                                            <p:strVal val="#ppt_x"/>
+                                          </p:val>
+                                        </p:tav>
+                                        <p:tav tm="100000">
+                                          <p:val>
+                                            <p:strVal val="#ppt_x"/>
+                                          </p:val>
+                                        </p:tav>
+                                      </p:tavLst>
+                                    </p:anim>
+                                    <p:anim calcmode="lin" valueType="num">
+                                      <p:cBhvr>
+                                        <p:cTn id="38" dur="1000" fill="hold"/>
+                                        <p:tgtEl>
+                                          <p:spTgt spid="3">
+                                            <p:txEl>
+                                              <p:pRg st="10" end="10"/>
+                                            </p:txEl>
+                                          </p:spTgt>
+                                        </p:tgtEl>
+                                        <p:attrNameLst>
+                                          <p:attrName>ppt_y</p:attrName>
+                                        </p:attrNameLst>
+                                      </p:cBhvr>
+                                      <p:tavLst>
+                                        <p:tav tm="0">
+                                          <p:val>
+                                            <p:strVal val="#ppt_y+.1"/>
+                                          </p:val>
+                                        </p:tav>
+                                        <p:tav tm="100000">
+                                          <p:val>
+                                            <p:strVal val="#ppt_y"/>
+                                          </p:val>
+                                        </p:tav>
+                                      </p:tavLst>
+                                    </p:anim>
+                                  </p:childTnLst>
+                                </p:cTn>
+                              </p:par>
+                              <p:par>
+                                <p:cTn id="39" presetID="42" presetClass="entr" presetSubtype="0" fill="hold" nodeType="withEffect">
+                                  <p:stCondLst>
+                                    <p:cond delay="0"/>
+                                  </p:stCondLst>
+                                  <p:childTnLst>
+                                    <p:set>
+                                      <p:cBhvr>
+                                        <p:cTn id="40" dur="1" fill="hold">
+                                          <p:stCondLst>
+                                            <p:cond delay="0"/>
+                                          </p:stCondLst>
+                                        </p:cTn>
+                                        <p:tgtEl>
+                                          <p:spTgt spid="3">
+                                            <p:txEl>
+                                              <p:pRg st="11" end="11"/>
+                                            </p:txEl>
+                                          </p:spTgt>
+                                        </p:tgtEl>
+                                        <p:attrNameLst>
+                                          <p:attrName>style.visibility</p:attrName>
+                                        </p:attrNameLst>
+                                      </p:cBhvr>
+                                      <p:to>
+                                        <p:strVal val="visible"/>
+                                      </p:to>
+                                    </p:set>
+                                    <p:animEffect transition="in" filter="fade">
+                                      <p:cBhvr>
+                                        <p:cTn id="41" dur="1000"/>
+                                        <p:tgtEl>
+                                          <p:spTgt spid="3">
+                                            <p:txEl>
+                                              <p:pRg st="11" end="11"/>
+                                            </p:txEl>
+                                          </p:spTgt>
+                                        </p:tgtEl>
+                                      </p:cBhvr>
+                                    </p:animEffect>
+                                    <p:anim calcmode="lin" valueType="num">
+                                      <p:cBhvr>
+                                        <p:cTn id="42" dur="1000" fill="hold"/>
+                                        <p:tgtEl>
+                                          <p:spTgt spid="3">
+                                            <p:txEl>
+                                              <p:pRg st="11" end="11"/>
+                                            </p:txEl>
+                                          </p:spTgt>
+                                        </p:tgtEl>
+                                        <p:attrNameLst>
+                                          <p:attrName>ppt_x</p:attrName>
+                                        </p:attrNameLst>
+                                      </p:cBhvr>
+                                      <p:tavLst>
+                                        <p:tav tm="0">
+                                          <p:val>
+                                            <p:strVal val="#ppt_x"/>
+                                          </p:val>
+                                        </p:tav>
+                                        <p:tav tm="100000">
+                                          <p:val>
+                                            <p:strVal val="#ppt_x"/>
+                                          </p:val>
+                                        </p:tav>
+                                      </p:tavLst>
+                                    </p:anim>
+                                    <p:anim calcmode="lin" valueType="num">
+                                      <p:cBhvr>
+                                        <p:cTn id="43" dur="1000" fill="hold"/>
+                                        <p:tgtEl>
+                                          <p:spTgt spid="3">
+                                            <p:txEl>
+                                              <p:pRg st="11" end="11"/>
+                                            </p:txEl>
+                                          </p:spTgt>
+                                        </p:tgtEl>
+                                        <p:attrNameLst>
+                                          <p:attrName>ppt_y</p:attrName>
+                                        </p:attrNameLst>
+                                      </p:cBhvr>
+                                      <p:tavLst>
+                                        <p:tav tm="0">
+                                          <p:val>
+                                            <p:strVal val="#ppt_y+.1"/>
+                                          </p:val>
+                                        </p:tav>
+                                        <p:tav tm="100000">
+                                          <p:val>
+                                            <p:strVal val="#ppt_y"/>
+                                          </p:val>
+                                        </p:tav>
+                                      </p:tavLst>
+                                    </p:anim>
+                                  </p:childTnLst>
+                                </p:cTn>
+                              </p:par>
+                              <p:par>
+                                <p:cTn id="44" presetID="42" presetClass="entr" presetSubtype="0" fill="hold" nodeType="withEffect">
+                                  <p:stCondLst>
+                                    <p:cond delay="0"/>
+                                  </p:stCondLst>
+                                  <p:childTnLst>
+                                    <p:set>
+                                      <p:cBhvr>
+                                        <p:cTn id="45" dur="1" fill="hold">
+                                          <p:stCondLst>
+                                            <p:cond delay="0"/>
+                                          </p:stCondLst>
+                                        </p:cTn>
+                                        <p:tgtEl>
+                                          <p:spTgt spid="3">
+                                            <p:txEl>
+                                              <p:pRg st="13" end="13"/>
+                                            </p:txEl>
+                                          </p:spTgt>
+                                        </p:tgtEl>
+                                        <p:attrNameLst>
+                                          <p:attrName>style.visibility</p:attrName>
+                                        </p:attrNameLst>
+                                      </p:cBhvr>
+                                      <p:to>
+                                        <p:strVal val="visible"/>
+                                      </p:to>
+                                    </p:set>
+                                    <p:animEffect transition="in" filter="fade">
+                                      <p:cBhvr>
+                                        <p:cTn id="46" dur="1000"/>
+                                        <p:tgtEl>
+                                          <p:spTgt spid="3">
+                                            <p:txEl>
+                                              <p:pRg st="13" end="13"/>
+                                            </p:txEl>
+                                          </p:spTgt>
+                                        </p:tgtEl>
+                                      </p:cBhvr>
+                                    </p:animEffect>
+                                    <p:anim calcmode="lin" valueType="num">
+                                      <p:cBhvr>
+                                        <p:cTn id="47" dur="1000" fill="hold"/>
+                                        <p:tgtEl>
+                                          <p:spTgt spid="3">
+                                            <p:txEl>
+                                              <p:pRg st="13" end="13"/>
+                                            </p:txEl>
+                                          </p:spTgt>
+                                        </p:tgtEl>
+                                        <p:attrNameLst>
+                                          <p:attrName>ppt_x</p:attrName>
+                                        </p:attrNameLst>
+                                      </p:cBhvr>
+                                      <p:tavLst>
+                                        <p:tav tm="0">
+                                          <p:val>
+                                            <p:strVal val="#ppt_x"/>
+                                          </p:val>
+                                        </p:tav>
+                                        <p:tav tm="100000">
+                                          <p:val>
+                                            <p:strVal val="#ppt_x"/>
+                                          </p:val>
+                                        </p:tav>
+                                      </p:tavLst>
+                                    </p:anim>
+                                    <p:anim calcmode="lin" valueType="num">
+                                      <p:cBhvr>
+                                        <p:cTn id="48" dur="1000" fill="hold"/>
+                                        <p:tgtEl>
+                                          <p:spTgt spid="3">
+                                            <p:txEl>
+                                              <p:pRg st="13" end="13"/>
+                                            </p:txEl>
+                                          </p:spTgt>
+                                        </p:tgtEl>
+                                        <p:attrNameLst>
+                                          <p:attrName>ppt_y</p:attrName>
+                                        </p:attrNameLst>
+                                      </p:cBhvr>
+                                      <p:tavLst>
+                                        <p:tav tm="0">
+                                          <p:val>
+                                            <p:strVal val="#ppt_y+.1"/>
+                                          </p:val>
+                                        </p:tav>
+                                        <p:tav tm="100000">
+                                          <p:val>
+                                            <p:strVal val="#ppt_y"/>
+                                          </p:val>
+                                        </p:tav>
+                                      </p:tavLst>
+                                    </p:anim>
+                                  </p:childTnLst>
+                                </p:cTn>
+                              </p:par>
+                            </p:childTnLst>
+                          </p:cTn>
+                        </p:par>
+                      </p:childTnLst>
+                    </p:cTn>
+                  </p:par>
+                  <p:par>
+                    <p:cTn id="49" fill="hold">
+                      <p:stCondLst>
+                        <p:cond delay="indefinite"/>
+                      </p:stCondLst>
+                      <p:childTnLst>
+                        <p:par>
+                          <p:cTn id="50" fill="hold">
+                            <p:stCondLst>
+                              <p:cond delay="0"/>
+                            </p:stCondLst>
+                            <p:childTnLst>
+                              <p:par>
+                                <p:cTn id="51" presetID="2" presetClass="entr" presetSubtype="4" fill="hold" nodeType="clickEffect">
+                                  <p:stCondLst>
+                                    <p:cond delay="0"/>
+                                  </p:stCondLst>
+                                  <p:childTnLst>
+                                    <p:set>
+                                      <p:cBhvr>
+                                        <p:cTn id="52" dur="1" fill="hold">
                                           <p:stCondLst>
                                             <p:cond delay="0"/>
                                           </p:stCondLst>
@@ -7184,7 +7172,7 @@
                                     </p:set>
                                     <p:anim calcmode="lin" valueType="num">
                                       <p:cBhvr additive="base">
-                                        <p:cTn id="38" dur="500" fill="hold"/>
+                                        <p:cTn id="53" dur="500" fill="hold"/>
                                         <p:tgtEl>
                                           <p:spTgt spid="3">
                                             <p:txEl>
@@ -7211,7 +7199,7 @@
                                     </p:anim>
                                     <p:anim calcmode="lin" valueType="num">
                                       <p:cBhvr additive="base">
-                                        <p:cTn id="39" dur="500" fill="hold"/>
+                                        <p:cTn id="54" dur="500" fill="hold"/>
                                         <p:tgtEl>
                                           <p:spTgt spid="3">
                                             <p:txEl>
@@ -7239,15 +7227,33 @@
                                   </p:childTnLst>
                                 </p:cTn>
                               </p:par>
+                            </p:childTnLst>
+                          </p:cTn>
+                        </p:par>
+                      </p:childTnLst>
+                    </p:cTn>
+                  </p:par>
+                  <p:par>
+                    <p:cTn id="55" fill="hold">
+                      <p:stCondLst>
+                        <p:cond delay="indefinite"/>
+                      </p:stCondLst>
+                      <p:childTnLst>
+                        <p:par>
+                          <p:cTn id="56" fill="hold">
+                            <p:stCondLst>
+                              <p:cond delay="0"/>
+                            </p:stCondLst>
+                            <p:childTnLst>
                               <p:par>
-                                <p:cTn id="40" presetID="2" presetClass="entr" presetSubtype="4" fill="hold" nodeType="withEffect">
+                                <p:cTn id="57" presetID="42" presetClass="entr" presetSubtype="0" fill="hold" nodeType="clickEffect">
                                   <p:stCondLst>
                                     <p:cond delay="0"/>
                                   </p:stCondLst>
                                   <p:childTnLst>
                                     <p:set>
                                       <p:cBhvr>
-                                        <p:cTn id="41" dur="1" fill="hold">
+                                        <p:cTn id="58" dur="1" fill="hold">
                                           <p:stCondLst>
                                             <p:cond delay="0"/>
                                           </p:stCondLst>
@@ -7255,7 +7261,7 @@
                                         <p:tgtEl>
                                           <p:spTgt spid="3">
                                             <p:txEl>
-                                              <p:pRg st="16" end="16"/>
+                                              <p:pRg st="17" end="17"/>
                                             </p:txEl>
                                           </p:spTgt>
                                         </p:tgtEl>
@@ -7267,13 +7273,25 @@
                                         <p:strVal val="visible"/>
                                       </p:to>
                                     </p:set>
-                                    <p:anim calcmode="lin" valueType="num">
-                                      <p:cBhvr additive="base">
-                                        <p:cTn id="42" dur="500" fill="hold"/>
+                                    <p:animEffect transition="in" filter="fade">
+                                      <p:cBhvr>
+                                        <p:cTn id="59" dur="1000"/>
                                         <p:tgtEl>
                                           <p:spTgt spid="3">
                                             <p:txEl>
-                                              <p:pRg st="16" end="16"/>
+                                              <p:pRg st="17" end="17"/>
+                                            </p:txEl>
+                                          </p:spTgt>
+                                        </p:tgtEl>
+                                      </p:cBhvr>
+                                    </p:animEffect>
+                                    <p:anim calcmode="lin" valueType="num">
+                                      <p:cBhvr>
+                                        <p:cTn id="60" dur="1000" fill="hold"/>
+                                        <p:tgtEl>
+                                          <p:spTgt spid="3">
+                                            <p:txEl>
+                                              <p:pRg st="17" end="17"/>
                                             </p:txEl>
                                           </p:spTgt>
                                         </p:tgtEl>
@@ -7295,12 +7313,12 @@
                                       </p:tavLst>
                                     </p:anim>
                                     <p:anim calcmode="lin" valueType="num">
-                                      <p:cBhvr additive="base">
-                                        <p:cTn id="43" dur="500" fill="hold"/>
+                                      <p:cBhvr>
+                                        <p:cTn id="61" dur="1000" fill="hold"/>
                                         <p:tgtEl>
                                           <p:spTgt spid="3">
                                             <p:txEl>
-                                              <p:pRg st="16" end="16"/>
+                                              <p:pRg st="17" end="17"/>
                                             </p:txEl>
                                           </p:spTgt>
                                         </p:tgtEl>
@@ -7311,7 +7329,201 @@
                                       <p:tavLst>
                                         <p:tav tm="0">
                                           <p:val>
-                                            <p:strVal val="1+#ppt_h/2"/>
+                                            <p:strVal val="#ppt_y+.1"/>
+                                          </p:val>
+                                        </p:tav>
+                                        <p:tav tm="100000">
+                                          <p:val>
+                                            <p:strVal val="#ppt_y"/>
+                                          </p:val>
+                                        </p:tav>
+                                      </p:tavLst>
+                                    </p:anim>
+                                  </p:childTnLst>
+                                </p:cTn>
+                              </p:par>
+                              <p:par>
+                                <p:cTn id="62" presetID="42" presetClass="entr" presetSubtype="0" fill="hold" nodeType="withEffect">
+                                  <p:stCondLst>
+                                    <p:cond delay="0"/>
+                                  </p:stCondLst>
+                                  <p:childTnLst>
+                                    <p:set>
+                                      <p:cBhvr>
+                                        <p:cTn id="63" dur="1" fill="hold">
+                                          <p:stCondLst>
+                                            <p:cond delay="0"/>
+                                          </p:stCondLst>
+                                        </p:cTn>
+                                        <p:tgtEl>
+                                          <p:spTgt spid="3">
+                                            <p:txEl>
+                                              <p:pRg st="18" end="18"/>
+                                            </p:txEl>
+                                          </p:spTgt>
+                                        </p:tgtEl>
+                                        <p:attrNameLst>
+                                          <p:attrName>style.visibility</p:attrName>
+                                        </p:attrNameLst>
+                                      </p:cBhvr>
+                                      <p:to>
+                                        <p:strVal val="visible"/>
+                                      </p:to>
+                                    </p:set>
+                                    <p:animEffect transition="in" filter="fade">
+                                      <p:cBhvr>
+                                        <p:cTn id="64" dur="1000"/>
+                                        <p:tgtEl>
+                                          <p:spTgt spid="3">
+                                            <p:txEl>
+                                              <p:pRg st="18" end="18"/>
+                                            </p:txEl>
+                                          </p:spTgt>
+                                        </p:tgtEl>
+                                      </p:cBhvr>
+                                    </p:animEffect>
+                                    <p:anim calcmode="lin" valueType="num">
+                                      <p:cBhvr>
+                                        <p:cTn id="65" dur="1000" fill="hold"/>
+                                        <p:tgtEl>
+                                          <p:spTgt spid="3">
+                                            <p:txEl>
+                                              <p:pRg st="18" end="18"/>
+                                            </p:txEl>
+                                          </p:spTgt>
+                                        </p:tgtEl>
+                                        <p:attrNameLst>
+                                          <p:attrName>ppt_x</p:attrName>
+                                        </p:attrNameLst>
+                                      </p:cBhvr>
+                                      <p:tavLst>
+                                        <p:tav tm="0">
+                                          <p:val>
+                                            <p:strVal val="#ppt_x"/>
+                                          </p:val>
+                                        </p:tav>
+                                        <p:tav tm="100000">
+                                          <p:val>
+                                            <p:strVal val="#ppt_x"/>
+                                          </p:val>
+                                        </p:tav>
+                                      </p:tavLst>
+                                    </p:anim>
+                                    <p:anim calcmode="lin" valueType="num">
+                                      <p:cBhvr>
+                                        <p:cTn id="66" dur="1000" fill="hold"/>
+                                        <p:tgtEl>
+                                          <p:spTgt spid="3">
+                                            <p:txEl>
+                                              <p:pRg st="18" end="18"/>
+                                            </p:txEl>
+                                          </p:spTgt>
+                                        </p:tgtEl>
+                                        <p:attrNameLst>
+                                          <p:attrName>ppt_y</p:attrName>
+                                        </p:attrNameLst>
+                                      </p:cBhvr>
+                                      <p:tavLst>
+                                        <p:tav tm="0">
+                                          <p:val>
+                                            <p:strVal val="#ppt_y+.1"/>
+                                          </p:val>
+                                        </p:tav>
+                                        <p:tav tm="100000">
+                                          <p:val>
+                                            <p:strVal val="#ppt_y"/>
+                                          </p:val>
+                                        </p:tav>
+                                      </p:tavLst>
+                                    </p:anim>
+                                  </p:childTnLst>
+                                </p:cTn>
+                              </p:par>
+                              <p:par>
+                                <p:cTn id="67" presetID="42" presetClass="entr" presetSubtype="0" fill="hold" nodeType="withEffect">
+                                  <p:stCondLst>
+                                    <p:cond delay="0"/>
+                                  </p:stCondLst>
+                                  <p:childTnLst>
+                                    <p:set>
+                                      <p:cBhvr>
+                                        <p:cTn id="68" dur="1" fill="hold">
+                                          <p:stCondLst>
+                                            <p:cond delay="0"/>
+                                          </p:stCondLst>
+                                        </p:cTn>
+                                        <p:tgtEl>
+                                          <p:spTgt spid="3">
+                                            <p:txEl>
+                                              <p:pRg st="19" end="19"/>
+                                            </p:txEl>
+                                          </p:spTgt>
+                                        </p:tgtEl>
+                                        <p:attrNameLst>
+                                          <p:attrName>style.visibility</p:attrName>
+                                        </p:attrNameLst>
+                                      </p:cBhvr>
+                                      <p:to>
+                                        <p:strVal val="visible"/>
+                                      </p:to>
+                                    </p:set>
+                                    <p:animEffect transition="in" filter="fade">
+                                      <p:cBhvr>
+                                        <p:cTn id="69" dur="1000"/>
+                                        <p:tgtEl>
+                                          <p:spTgt spid="3">
+                                            <p:txEl>
+                                              <p:pRg st="19" end="19"/>
+                                            </p:txEl>
+                                          </p:spTgt>
+                                        </p:tgtEl>
+                                      </p:cBhvr>
+                                    </p:animEffect>
+                                    <p:anim calcmode="lin" valueType="num">
+                                      <p:cBhvr>
+                                        <p:cTn id="70" dur="1000" fill="hold"/>
+                                        <p:tgtEl>
+                                          <p:spTgt spid="3">
+                                            <p:txEl>
+                                              <p:pRg st="19" end="19"/>
+                                            </p:txEl>
+                                          </p:spTgt>
+                                        </p:tgtEl>
+                                        <p:attrNameLst>
+                                          <p:attrName>ppt_x</p:attrName>
+                                        </p:attrNameLst>
+                                      </p:cBhvr>
+                                      <p:tavLst>
+                                        <p:tav tm="0">
+                                          <p:val>
+                                            <p:strVal val="#ppt_x"/>
+                                          </p:val>
+                                        </p:tav>
+                                        <p:tav tm="100000">
+                                          <p:val>
+                                            <p:strVal val="#ppt_x"/>
+                                          </p:val>
+                                        </p:tav>
+                                      </p:tavLst>
+                                    </p:anim>
+                                    <p:anim calcmode="lin" valueType="num">
+                                      <p:cBhvr>
+                                        <p:cTn id="71" dur="1000" fill="hold"/>
+                                        <p:tgtEl>
+                                          <p:spTgt spid="3">
+                                            <p:txEl>
+                                              <p:pRg st="19" end="19"/>
+                                            </p:txEl>
+                                          </p:spTgt>
+                                        </p:tgtEl>
+                                        <p:attrNameLst>
+                                          <p:attrName>ppt_y</p:attrName>
+                                        </p:attrNameLst>
+                                      </p:cBhvr>
+                                      <p:tavLst>
+                                        <p:tav tm="0">
+                                          <p:val>
+                                            <p:strVal val="#ppt_y+.1"/>
                                           </p:val>
                                         </p:tav>
                                         <p:tav tm="100000">
@@ -7374,6 +7586,814 @@
       </p:grpSpPr>
       <p:sp>
         <p:nvSpPr>
+          <p:cNvPr id="2" name="Title 1">
+            <a:extLst>
+              <a:ext uri="{FF2B5EF4-FFF2-40B4-BE49-F238E27FC236}">
+                <a16:creationId xmlns:a16="http://schemas.microsoft.com/office/drawing/2014/main" id="{68C3B487-71E2-C0D9-B729-F5E9577C8A1C}"/>
+              </a:ext>
+            </a:extLst>
+          </p:cNvPr>
+          <p:cNvSpPr>
+            <a:spLocks noGrp="1"/>
+          </p:cNvSpPr>
+          <p:nvPr>
+            <p:ph type="title"/>
+          </p:nvPr>
+        </p:nvSpPr>
+        <p:spPr/>
+        <p:txBody>
+          <a:bodyPr/>
+          <a:lstStyle/>
+          <a:p>
+            <a:r>
+              <a:rPr lang="en-US" dirty="0"/>
+              <a:t>Conclusion:</a:t>
+            </a:r>
+            <a:endParaRPr lang="en-IN" dirty="0"/>
+          </a:p>
+        </p:txBody>
+      </p:sp>
+      <p:graphicFrame>
+        <p:nvGraphicFramePr>
+          <p:cNvPr id="4" name="Table 3">
+            <a:extLst>
+              <a:ext uri="{FF2B5EF4-FFF2-40B4-BE49-F238E27FC236}">
+                <a16:creationId xmlns:a16="http://schemas.microsoft.com/office/drawing/2014/main" id="{C765D644-E7AC-5E03-FAF8-5D66B4FB8BC3}"/>
+              </a:ext>
+            </a:extLst>
+          </p:cNvPr>
+          <p:cNvGraphicFramePr>
+            <a:graphicFrameLocks noGrp="1"/>
+          </p:cNvGraphicFramePr>
+          <p:nvPr>
+            <p:extLst>
+              <p:ext uri="{D42A27DB-BD31-4B8C-83A1-F6EECF244321}">
+                <p14:modId xmlns:p14="http://schemas.microsoft.com/office/powerpoint/2010/main" val="3770713668"/>
+              </p:ext>
+            </p:extLst>
+          </p:nvPr>
+        </p:nvGraphicFramePr>
+        <p:xfrm>
+          <a:off x="1322024" y="2979776"/>
+          <a:ext cx="7465368" cy="3051672"/>
+        </p:xfrm>
+        <a:graphic>
+          <a:graphicData uri="http://schemas.openxmlformats.org/drawingml/2006/table">
+            <a:tbl>
+              <a:tblPr>
+                <a:tableStyleId>{5C22544A-7EE6-4342-B048-85BDC9FD1C3A}</a:tableStyleId>
+              </a:tblPr>
+              <a:tblGrid>
+                <a:gridCol w="1657183">
+                  <a:extLst>
+                    <a:ext uri="{9D8B030D-6E8A-4147-A177-3AD203B41FA5}">
+                      <a16:colId xmlns:a16="http://schemas.microsoft.com/office/drawing/2014/main" val="4249841448"/>
+                    </a:ext>
+                  </a:extLst>
+                </a:gridCol>
+                <a:gridCol w="3002952">
+                  <a:extLst>
+                    <a:ext uri="{9D8B030D-6E8A-4147-A177-3AD203B41FA5}">
+                      <a16:colId xmlns:a16="http://schemas.microsoft.com/office/drawing/2014/main" val="4096071561"/>
+                    </a:ext>
+                  </a:extLst>
+                </a:gridCol>
+                <a:gridCol w="2805233">
+                  <a:extLst>
+                    <a:ext uri="{9D8B030D-6E8A-4147-A177-3AD203B41FA5}">
+                      <a16:colId xmlns:a16="http://schemas.microsoft.com/office/drawing/2014/main" val="3717492694"/>
+                    </a:ext>
+                  </a:extLst>
+                </a:gridCol>
+              </a:tblGrid>
+              <a:tr h="354022">
+                <a:tc>
+                  <a:txBody>
+                    <a:bodyPr/>
+                    <a:lstStyle/>
+                    <a:p>
+                      <a:pPr algn="ctr" fontAlgn="ctr"/>
+                      <a:r>
+                        <a:rPr lang="en-IN" sz="1100" u="none" strike="noStrike" dirty="0">
+                          <a:effectLst/>
+                        </a:rPr>
+                        <a:t>Aspect</a:t>
+                      </a:r>
+                      <a:endParaRPr lang="en-IN" sz="1100" b="1" i="0" u="none" strike="noStrike" dirty="0">
+                        <a:solidFill>
+                          <a:srgbClr val="FFFFFF"/>
+                        </a:solidFill>
+                        <a:effectLst/>
+                        <a:latin typeface="Calibri" panose="020F0502020204030204" pitchFamily="34" charset="0"/>
+                      </a:endParaRPr>
+                    </a:p>
+                  </a:txBody>
+                  <a:tcPr marL="7315" marR="7315" marT="7315" marB="0" anchor="ctr"/>
+                </a:tc>
+                <a:tc>
+                  <a:txBody>
+                    <a:bodyPr/>
+                    <a:lstStyle/>
+                    <a:p>
+                      <a:pPr algn="ctr" fontAlgn="ctr"/>
+                      <a:r>
+                        <a:rPr lang="en-IN" sz="1100" u="none" strike="noStrike" dirty="0">
+                          <a:effectLst/>
+                        </a:rPr>
+                        <a:t>Manual Process</a:t>
+                      </a:r>
+                      <a:endParaRPr lang="en-IN" sz="1100" b="1" i="0" u="none" strike="noStrike" dirty="0">
+                        <a:solidFill>
+                          <a:srgbClr val="FFFFFF"/>
+                        </a:solidFill>
+                        <a:effectLst/>
+                        <a:latin typeface="Calibri" panose="020F0502020204030204" pitchFamily="34" charset="0"/>
+                      </a:endParaRPr>
+                    </a:p>
+                  </a:txBody>
+                  <a:tcPr marL="7315" marR="7315" marT="7315" marB="0" anchor="ctr"/>
+                </a:tc>
+                <a:tc>
+                  <a:txBody>
+                    <a:bodyPr/>
+                    <a:lstStyle/>
+                    <a:p>
+                      <a:pPr algn="ctr" fontAlgn="ctr"/>
+                      <a:r>
+                        <a:rPr lang="en-IN" sz="1100" u="none" strike="noStrike">
+                          <a:effectLst/>
+                        </a:rPr>
+                        <a:t>Automated Process</a:t>
+                      </a:r>
+                      <a:endParaRPr lang="en-IN" sz="1100" b="1" i="0" u="none" strike="noStrike">
+                        <a:solidFill>
+                          <a:srgbClr val="FFFFFF"/>
+                        </a:solidFill>
+                        <a:effectLst/>
+                        <a:latin typeface="Calibri" panose="020F0502020204030204" pitchFamily="34" charset="0"/>
+                      </a:endParaRPr>
+                    </a:p>
+                  </a:txBody>
+                  <a:tcPr marL="7315" marR="7315" marT="7315" marB="0" anchor="ctr"/>
+                </a:tc>
+                <a:extLst>
+                  <a:ext uri="{0D108BD9-81ED-4DB2-BD59-A6C34878D82A}">
+                    <a16:rowId xmlns:a16="http://schemas.microsoft.com/office/drawing/2014/main" val="2217980289"/>
+                  </a:ext>
+                </a:extLst>
+              </a:tr>
+              <a:tr h="663202">
+                <a:tc>
+                  <a:txBody>
+                    <a:bodyPr/>
+                    <a:lstStyle/>
+                    <a:p>
+                      <a:pPr algn="l" fontAlgn="ctr"/>
+                      <a:r>
+                        <a:rPr lang="en-IN" sz="1100" u="none" strike="noStrike">
+                          <a:effectLst/>
+                        </a:rPr>
+                        <a:t>Processing Workflow</a:t>
+                      </a:r>
+                      <a:endParaRPr lang="en-IN" sz="1100" b="1" i="0" u="none" strike="noStrike">
+                        <a:solidFill>
+                          <a:srgbClr val="000000"/>
+                        </a:solidFill>
+                        <a:effectLst/>
+                        <a:latin typeface="Calibri" panose="020F0502020204030204" pitchFamily="34" charset="0"/>
+                      </a:endParaRPr>
+                    </a:p>
+                  </a:txBody>
+                  <a:tcPr marL="7315" marR="7315" marT="7315" marB="0" anchor="ctr"/>
+                </a:tc>
+                <a:tc>
+                  <a:txBody>
+                    <a:bodyPr/>
+                    <a:lstStyle/>
+                    <a:p>
+                      <a:pPr algn="l" fontAlgn="ctr"/>
+                      <a:r>
+                        <a:rPr lang="en-US" sz="1100" u="none" strike="noStrike">
+                          <a:effectLst/>
+                        </a:rPr>
+                        <a:t>Run model separately for each PDF.</a:t>
+                      </a:r>
+                      <a:endParaRPr lang="en-US" sz="1100" b="0" i="0" u="none" strike="noStrike">
+                        <a:solidFill>
+                          <a:srgbClr val="000000"/>
+                        </a:solidFill>
+                        <a:effectLst/>
+                        <a:latin typeface="Calibri" panose="020F0502020204030204" pitchFamily="34" charset="0"/>
+                      </a:endParaRPr>
+                    </a:p>
+                  </a:txBody>
+                  <a:tcPr marL="7315" marR="7315" marT="7315" marB="0" anchor="ctr"/>
+                </a:tc>
+                <a:tc>
+                  <a:txBody>
+                    <a:bodyPr/>
+                    <a:lstStyle/>
+                    <a:p>
+                      <a:pPr algn="l" fontAlgn="ctr"/>
+                      <a:r>
+                        <a:rPr lang="en-US" sz="1100" u="none" strike="noStrike">
+                          <a:effectLst/>
+                        </a:rPr>
+                        <a:t>Run once for all PDFs.</a:t>
+                      </a:r>
+                      <a:endParaRPr lang="en-US" sz="1100" b="0" i="0" u="none" strike="noStrike">
+                        <a:solidFill>
+                          <a:srgbClr val="000000"/>
+                        </a:solidFill>
+                        <a:effectLst/>
+                        <a:latin typeface="Calibri" panose="020F0502020204030204" pitchFamily="34" charset="0"/>
+                      </a:endParaRPr>
+                    </a:p>
+                  </a:txBody>
+                  <a:tcPr marL="7315" marR="7315" marT="7315" marB="0" anchor="ctr"/>
+                </a:tc>
+                <a:extLst>
+                  <a:ext uri="{0D108BD9-81ED-4DB2-BD59-A6C34878D82A}">
+                    <a16:rowId xmlns:a16="http://schemas.microsoft.com/office/drawing/2014/main" val="3600809558"/>
+                  </a:ext>
+                </a:extLst>
+              </a:tr>
+              <a:tr h="663202">
+                <a:tc>
+                  <a:txBody>
+                    <a:bodyPr/>
+                    <a:lstStyle/>
+                    <a:p>
+                      <a:pPr algn="l" fontAlgn="ctr"/>
+                      <a:r>
+                        <a:rPr lang="en-IN" sz="1100" u="none" strike="noStrike">
+                          <a:effectLst/>
+                        </a:rPr>
+                        <a:t>Error Rate</a:t>
+                      </a:r>
+                      <a:endParaRPr lang="en-IN" sz="1100" b="1" i="0" u="none" strike="noStrike">
+                        <a:solidFill>
+                          <a:srgbClr val="000000"/>
+                        </a:solidFill>
+                        <a:effectLst/>
+                        <a:latin typeface="Calibri" panose="020F0502020204030204" pitchFamily="34" charset="0"/>
+                      </a:endParaRPr>
+                    </a:p>
+                  </a:txBody>
+                  <a:tcPr marL="7315" marR="7315" marT="7315" marB="0" anchor="ctr"/>
+                </a:tc>
+                <a:tc>
+                  <a:txBody>
+                    <a:bodyPr/>
+                    <a:lstStyle/>
+                    <a:p>
+                      <a:pPr algn="l" fontAlgn="ctr"/>
+                      <a:r>
+                        <a:rPr lang="en-US" sz="1100" u="none" strike="noStrike" dirty="0">
+                          <a:effectLst/>
+                        </a:rPr>
+                        <a:t>High (manual table creation &amp; selection).</a:t>
+                      </a:r>
+                      <a:endParaRPr lang="en-US" sz="1100" b="0" i="0" u="none" strike="noStrike" dirty="0">
+                        <a:solidFill>
+                          <a:srgbClr val="000000"/>
+                        </a:solidFill>
+                        <a:effectLst/>
+                        <a:latin typeface="Calibri" panose="020F0502020204030204" pitchFamily="34" charset="0"/>
+                      </a:endParaRPr>
+                    </a:p>
+                  </a:txBody>
+                  <a:tcPr marL="7315" marR="7315" marT="7315" marB="0" anchor="ctr"/>
+                </a:tc>
+                <a:tc>
+                  <a:txBody>
+                    <a:bodyPr/>
+                    <a:lstStyle/>
+                    <a:p>
+                      <a:pPr algn="l" fontAlgn="ctr"/>
+                      <a:r>
+                        <a:rPr lang="en-IN" sz="1100" u="none" strike="noStrike">
+                          <a:effectLst/>
+                        </a:rPr>
+                        <a:t>Low (automated, consistent schema).</a:t>
+                      </a:r>
+                      <a:endParaRPr lang="en-IN" sz="1100" b="0" i="0" u="none" strike="noStrike">
+                        <a:solidFill>
+                          <a:srgbClr val="000000"/>
+                        </a:solidFill>
+                        <a:effectLst/>
+                        <a:latin typeface="Calibri" panose="020F0502020204030204" pitchFamily="34" charset="0"/>
+                      </a:endParaRPr>
+                    </a:p>
+                  </a:txBody>
+                  <a:tcPr marL="7315" marR="7315" marT="7315" marB="0" anchor="ctr"/>
+                </a:tc>
+                <a:extLst>
+                  <a:ext uri="{0D108BD9-81ED-4DB2-BD59-A6C34878D82A}">
+                    <a16:rowId xmlns:a16="http://schemas.microsoft.com/office/drawing/2014/main" val="3377141571"/>
+                  </a:ext>
+                </a:extLst>
+              </a:tr>
+              <a:tr h="354022">
+                <a:tc>
+                  <a:txBody>
+                    <a:bodyPr/>
+                    <a:lstStyle/>
+                    <a:p>
+                      <a:pPr algn="l" fontAlgn="ctr"/>
+                      <a:r>
+                        <a:rPr lang="en-IN" sz="1100" u="none" strike="noStrike">
+                          <a:effectLst/>
+                        </a:rPr>
+                        <a:t>Time Taken</a:t>
+                      </a:r>
+                      <a:endParaRPr lang="en-IN" sz="1100" b="1" i="0" u="none" strike="noStrike">
+                        <a:solidFill>
+                          <a:srgbClr val="000000"/>
+                        </a:solidFill>
+                        <a:effectLst/>
+                        <a:latin typeface="Calibri" panose="020F0502020204030204" pitchFamily="34" charset="0"/>
+                      </a:endParaRPr>
+                    </a:p>
+                  </a:txBody>
+                  <a:tcPr marL="7315" marR="7315" marT="7315" marB="0" anchor="ctr"/>
+                </a:tc>
+                <a:tc>
+                  <a:txBody>
+                    <a:bodyPr/>
+                    <a:lstStyle/>
+                    <a:p>
+                      <a:pPr algn="l" fontAlgn="ctr"/>
+                      <a:r>
+                        <a:rPr lang="sv-SE" sz="1100" u="none" strike="noStrike">
+                          <a:effectLst/>
+                        </a:rPr>
+                        <a:t>5-7 min per catalog (40-56 min total).</a:t>
+                      </a:r>
+                      <a:endParaRPr lang="sv-SE" sz="1100" b="0" i="0" u="none" strike="noStrike">
+                        <a:solidFill>
+                          <a:srgbClr val="000000"/>
+                        </a:solidFill>
+                        <a:effectLst/>
+                        <a:latin typeface="Calibri" panose="020F0502020204030204" pitchFamily="34" charset="0"/>
+                      </a:endParaRPr>
+                    </a:p>
+                  </a:txBody>
+                  <a:tcPr marL="7315" marR="7315" marT="7315" marB="0" anchor="ctr"/>
+                </a:tc>
+                <a:tc>
+                  <a:txBody>
+                    <a:bodyPr/>
+                    <a:lstStyle/>
+                    <a:p>
+                      <a:pPr algn="l" fontAlgn="ctr"/>
+                      <a:r>
+                        <a:rPr lang="en-IN" sz="1100" u="none" strike="noStrike">
+                          <a:effectLst/>
+                        </a:rPr>
+                        <a:t>14 min for all catalogs.</a:t>
+                      </a:r>
+                      <a:endParaRPr lang="en-IN" sz="1100" b="0" i="0" u="none" strike="noStrike">
+                        <a:solidFill>
+                          <a:srgbClr val="000000"/>
+                        </a:solidFill>
+                        <a:effectLst/>
+                        <a:latin typeface="Calibri" panose="020F0502020204030204" pitchFamily="34" charset="0"/>
+                      </a:endParaRPr>
+                    </a:p>
+                  </a:txBody>
+                  <a:tcPr marL="7315" marR="7315" marT="7315" marB="0" anchor="ctr"/>
+                </a:tc>
+                <a:extLst>
+                  <a:ext uri="{0D108BD9-81ED-4DB2-BD59-A6C34878D82A}">
+                    <a16:rowId xmlns:a16="http://schemas.microsoft.com/office/drawing/2014/main" val="2654073753"/>
+                  </a:ext>
+                </a:extLst>
+              </a:tr>
+              <a:tr h="354022">
+                <a:tc>
+                  <a:txBody>
+                    <a:bodyPr/>
+                    <a:lstStyle/>
+                    <a:p>
+                      <a:pPr algn="l" fontAlgn="ctr"/>
+                      <a:r>
+                        <a:rPr lang="en-IN" sz="1100" u="none" strike="noStrike">
+                          <a:effectLst/>
+                        </a:rPr>
+                        <a:t>Cloud Cost</a:t>
+                      </a:r>
+                      <a:endParaRPr lang="en-IN" sz="1100" b="1" i="0" u="none" strike="noStrike">
+                        <a:solidFill>
+                          <a:srgbClr val="000000"/>
+                        </a:solidFill>
+                        <a:effectLst/>
+                        <a:latin typeface="Calibri" panose="020F0502020204030204" pitchFamily="34" charset="0"/>
+                      </a:endParaRPr>
+                    </a:p>
+                  </a:txBody>
+                  <a:tcPr marL="7315" marR="7315" marT="7315" marB="0" anchor="ctr"/>
+                </a:tc>
+                <a:tc>
+                  <a:txBody>
+                    <a:bodyPr/>
+                    <a:lstStyle/>
+                    <a:p>
+                      <a:pPr algn="l" fontAlgn="ctr"/>
+                      <a:r>
+                        <a:rPr lang="en-US" sz="1100" u="none" strike="noStrike">
+                          <a:effectLst/>
+                        </a:rPr>
+                        <a:t>Higher due to multiple executions.</a:t>
+                      </a:r>
+                      <a:endParaRPr lang="en-US" sz="1100" b="0" i="0" u="none" strike="noStrike">
+                        <a:solidFill>
+                          <a:srgbClr val="000000"/>
+                        </a:solidFill>
+                        <a:effectLst/>
+                        <a:latin typeface="Calibri" panose="020F0502020204030204" pitchFamily="34" charset="0"/>
+                      </a:endParaRPr>
+                    </a:p>
+                  </a:txBody>
+                  <a:tcPr marL="7315" marR="7315" marT="7315" marB="0" anchor="ctr"/>
+                </a:tc>
+                <a:tc>
+                  <a:txBody>
+                    <a:bodyPr/>
+                    <a:lstStyle/>
+                    <a:p>
+                      <a:pPr algn="l" fontAlgn="ctr"/>
+                      <a:r>
+                        <a:rPr lang="en-US" sz="1100" u="none" strike="noStrike">
+                          <a:effectLst/>
+                        </a:rPr>
+                        <a:t>Lower due to batch processing.</a:t>
+                      </a:r>
+                      <a:endParaRPr lang="en-US" sz="1100" b="0" i="0" u="none" strike="noStrike">
+                        <a:solidFill>
+                          <a:srgbClr val="000000"/>
+                        </a:solidFill>
+                        <a:effectLst/>
+                        <a:latin typeface="Calibri" panose="020F0502020204030204" pitchFamily="34" charset="0"/>
+                      </a:endParaRPr>
+                    </a:p>
+                  </a:txBody>
+                  <a:tcPr marL="7315" marR="7315" marT="7315" marB="0" anchor="ctr"/>
+                </a:tc>
+                <a:extLst>
+                  <a:ext uri="{0D108BD9-81ED-4DB2-BD59-A6C34878D82A}">
+                    <a16:rowId xmlns:a16="http://schemas.microsoft.com/office/drawing/2014/main" val="3545667947"/>
+                  </a:ext>
+                </a:extLst>
+              </a:tr>
+              <a:tr h="663202">
+                <a:tc>
+                  <a:txBody>
+                    <a:bodyPr/>
+                    <a:lstStyle/>
+                    <a:p>
+                      <a:pPr algn="l" fontAlgn="ctr"/>
+                      <a:r>
+                        <a:rPr lang="en-IN" sz="1100" u="none" strike="noStrike">
+                          <a:effectLst/>
+                        </a:rPr>
+                        <a:t>Scalability</a:t>
+                      </a:r>
+                      <a:endParaRPr lang="en-IN" sz="1100" b="1" i="0" u="none" strike="noStrike">
+                        <a:solidFill>
+                          <a:srgbClr val="000000"/>
+                        </a:solidFill>
+                        <a:effectLst/>
+                        <a:latin typeface="Calibri" panose="020F0502020204030204" pitchFamily="34" charset="0"/>
+                      </a:endParaRPr>
+                    </a:p>
+                  </a:txBody>
+                  <a:tcPr marL="7315" marR="7315" marT="7315" marB="0" anchor="ctr"/>
+                </a:tc>
+                <a:tc>
+                  <a:txBody>
+                    <a:bodyPr/>
+                    <a:lstStyle/>
+                    <a:p>
+                      <a:pPr algn="l" fontAlgn="ctr"/>
+                      <a:r>
+                        <a:rPr lang="en-US" sz="1100" u="none" strike="noStrike">
+                          <a:effectLst/>
+                        </a:rPr>
+                        <a:t>Limited—hard to manage large datasets.</a:t>
+                      </a:r>
+                      <a:endParaRPr lang="en-US" sz="1100" b="0" i="0" u="none" strike="noStrike">
+                        <a:solidFill>
+                          <a:srgbClr val="000000"/>
+                        </a:solidFill>
+                        <a:effectLst/>
+                        <a:latin typeface="Calibri" panose="020F0502020204030204" pitchFamily="34" charset="0"/>
+                      </a:endParaRPr>
+                    </a:p>
+                  </a:txBody>
+                  <a:tcPr marL="7315" marR="7315" marT="7315" marB="0" anchor="ctr"/>
+                </a:tc>
+                <a:tc>
+                  <a:txBody>
+                    <a:bodyPr/>
+                    <a:lstStyle/>
+                    <a:p>
+                      <a:pPr algn="l" fontAlgn="ctr"/>
+                      <a:r>
+                        <a:rPr lang="en-US" sz="1100" u="none" strike="noStrike" dirty="0">
+                          <a:effectLst/>
+                        </a:rPr>
+                        <a:t>Easily scalable for large volumes.</a:t>
+                      </a:r>
+                      <a:endParaRPr lang="en-US" sz="1100" b="0" i="0" u="none" strike="noStrike" dirty="0">
+                        <a:solidFill>
+                          <a:srgbClr val="000000"/>
+                        </a:solidFill>
+                        <a:effectLst/>
+                        <a:latin typeface="Calibri" panose="020F0502020204030204" pitchFamily="34" charset="0"/>
+                      </a:endParaRPr>
+                    </a:p>
+                  </a:txBody>
+                  <a:tcPr marL="7315" marR="7315" marT="7315" marB="0" anchor="ctr"/>
+                </a:tc>
+                <a:extLst>
+                  <a:ext uri="{0D108BD9-81ED-4DB2-BD59-A6C34878D82A}">
+                    <a16:rowId xmlns:a16="http://schemas.microsoft.com/office/drawing/2014/main" val="1041362147"/>
+                  </a:ext>
+                </a:extLst>
+              </a:tr>
+            </a:tbl>
+          </a:graphicData>
+        </a:graphic>
+      </p:graphicFrame>
+      <p:sp>
+        <p:nvSpPr>
+          <p:cNvPr id="5" name="TextBox 4">
+            <a:extLst>
+              <a:ext uri="{FF2B5EF4-FFF2-40B4-BE49-F238E27FC236}">
+                <a16:creationId xmlns:a16="http://schemas.microsoft.com/office/drawing/2014/main" id="{A9FD9DB3-FFF6-5DE7-4AE1-089BD1C60B10}"/>
+              </a:ext>
+            </a:extLst>
+          </p:cNvPr>
+          <p:cNvSpPr txBox="1"/>
+          <p:nvPr/>
+        </p:nvSpPr>
+        <p:spPr>
+          <a:xfrm>
+            <a:off x="1451472" y="1824890"/>
+            <a:ext cx="7465368" cy="923330"/>
+          </a:xfrm>
+          <a:prstGeom prst="rect">
+            <a:avLst/>
+          </a:prstGeom>
+          <a:noFill/>
+        </p:spPr>
+        <p:txBody>
+          <a:bodyPr wrap="square">
+            <a:spAutoFit/>
+          </a:bodyPr>
+          <a:lstStyle/>
+          <a:p>
+            <a:r>
+              <a:rPr lang="en-US" dirty="0"/>
+              <a:t>With this project, we have significantly improved </a:t>
+            </a:r>
+            <a:r>
+              <a:rPr lang="en-US" b="1" dirty="0"/>
+              <a:t>efficiency, accuracy, and cost-effectiveness</a:t>
+            </a:r>
+            <a:r>
+              <a:rPr lang="en-US" dirty="0"/>
+              <a:t>. Moving forward, we will continue refining the approach to handle </a:t>
+            </a:r>
+            <a:r>
+              <a:rPr lang="en-US" b="1" dirty="0"/>
+              <a:t>even larger datasets</a:t>
+            </a:r>
+            <a:r>
+              <a:rPr lang="en-US" dirty="0"/>
+              <a:t> with minimal manual effort.</a:t>
+            </a:r>
+          </a:p>
+        </p:txBody>
+      </p:sp>
+    </p:spTree>
+    <p:extLst>
+      <p:ext uri="{BB962C8B-B14F-4D97-AF65-F5344CB8AC3E}">
+        <p14:creationId xmlns:p14="http://schemas.microsoft.com/office/powerpoint/2010/main" val="501866270"/>
+      </p:ext>
+    </p:extLst>
+  </p:cSld>
+  <p:clrMapOvr>
+    <a:masterClrMapping/>
+  </p:clrMapOvr>
+  <p:timing>
+    <p:tnLst>
+      <p:par>
+        <p:cTn id="1" dur="indefinite" restart="never" nodeType="tmRoot">
+          <p:childTnLst>
+            <p:seq concurrent="1" nextAc="seek">
+              <p:cTn id="2" dur="indefinite" nodeType="mainSeq">
+                <p:childTnLst>
+                  <p:par>
+                    <p:cTn id="3" fill="hold">
+                      <p:stCondLst>
+                        <p:cond delay="indefinite"/>
+                      </p:stCondLst>
+                      <p:childTnLst>
+                        <p:par>
+                          <p:cTn id="4" fill="hold">
+                            <p:stCondLst>
+                              <p:cond delay="0"/>
+                            </p:stCondLst>
+                            <p:childTnLst>
+                              <p:par>
+                                <p:cTn id="5" presetID="42" presetClass="entr" presetSubtype="0" fill="hold" grpId="0" nodeType="clickEffect">
+                                  <p:stCondLst>
+                                    <p:cond delay="0"/>
+                                  </p:stCondLst>
+                                  <p:childTnLst>
+                                    <p:set>
+                                      <p:cBhvr>
+                                        <p:cTn id="6" dur="1" fill="hold">
+                                          <p:stCondLst>
+                                            <p:cond delay="0"/>
+                                          </p:stCondLst>
+                                        </p:cTn>
+                                        <p:tgtEl>
+                                          <p:spTgt spid="5"/>
+                                        </p:tgtEl>
+                                        <p:attrNameLst>
+                                          <p:attrName>style.visibility</p:attrName>
+                                        </p:attrNameLst>
+                                      </p:cBhvr>
+                                      <p:to>
+                                        <p:strVal val="visible"/>
+                                      </p:to>
+                                    </p:set>
+                                    <p:animEffect transition="in" filter="fade">
+                                      <p:cBhvr>
+                                        <p:cTn id="7" dur="1000"/>
+                                        <p:tgtEl>
+                                          <p:spTgt spid="5"/>
+                                        </p:tgtEl>
+                                      </p:cBhvr>
+                                    </p:animEffect>
+                                    <p:anim calcmode="lin" valueType="num">
+                                      <p:cBhvr>
+                                        <p:cTn id="8" dur="1000" fill="hold"/>
+                                        <p:tgtEl>
+                                          <p:spTgt spid="5"/>
+                                        </p:tgtEl>
+                                        <p:attrNameLst>
+                                          <p:attrName>ppt_x</p:attrName>
+                                        </p:attrNameLst>
+                                      </p:cBhvr>
+                                      <p:tavLst>
+                                        <p:tav tm="0">
+                                          <p:val>
+                                            <p:strVal val="#ppt_x"/>
+                                          </p:val>
+                                        </p:tav>
+                                        <p:tav tm="100000">
+                                          <p:val>
+                                            <p:strVal val="#ppt_x"/>
+                                          </p:val>
+                                        </p:tav>
+                                      </p:tavLst>
+                                    </p:anim>
+                                    <p:anim calcmode="lin" valueType="num">
+                                      <p:cBhvr>
+                                        <p:cTn id="9" dur="1000" fill="hold"/>
+                                        <p:tgtEl>
+                                          <p:spTgt spid="5"/>
+                                        </p:tgtEl>
+                                        <p:attrNameLst>
+                                          <p:attrName>ppt_y</p:attrName>
+                                        </p:attrNameLst>
+                                      </p:cBhvr>
+                                      <p:tavLst>
+                                        <p:tav tm="0">
+                                          <p:val>
+                                            <p:strVal val="#ppt_y+.1"/>
+                                          </p:val>
+                                        </p:tav>
+                                        <p:tav tm="100000">
+                                          <p:val>
+                                            <p:strVal val="#ppt_y"/>
+                                          </p:val>
+                                        </p:tav>
+                                      </p:tavLst>
+                                    </p:anim>
+                                  </p:childTnLst>
+                                </p:cTn>
+                              </p:par>
+                            </p:childTnLst>
+                          </p:cTn>
+                        </p:par>
+                      </p:childTnLst>
+                    </p:cTn>
+                  </p:par>
+                  <p:par>
+                    <p:cTn id="10" fill="hold">
+                      <p:stCondLst>
+                        <p:cond delay="indefinite"/>
+                      </p:stCondLst>
+                      <p:childTnLst>
+                        <p:par>
+                          <p:cTn id="11" fill="hold">
+                            <p:stCondLst>
+                              <p:cond delay="0"/>
+                            </p:stCondLst>
+                            <p:childTnLst>
+                              <p:par>
+                                <p:cTn id="12" presetID="16" presetClass="entr" presetSubtype="21" fill="hold" nodeType="clickEffect">
+                                  <p:stCondLst>
+                                    <p:cond delay="0"/>
+                                  </p:stCondLst>
+                                  <p:childTnLst>
+                                    <p:set>
+                                      <p:cBhvr>
+                                        <p:cTn id="13" dur="1" fill="hold">
+                                          <p:stCondLst>
+                                            <p:cond delay="0"/>
+                                          </p:stCondLst>
+                                        </p:cTn>
+                                        <p:tgtEl>
+                                          <p:spTgt spid="4"/>
+                                        </p:tgtEl>
+                                        <p:attrNameLst>
+                                          <p:attrName>style.visibility</p:attrName>
+                                        </p:attrNameLst>
+                                      </p:cBhvr>
+                                      <p:to>
+                                        <p:strVal val="visible"/>
+                                      </p:to>
+                                    </p:set>
+                                    <p:animEffect transition="in" filter="barn(inVertical)">
+                                      <p:cBhvr>
+                                        <p:cTn id="14" dur="500"/>
+                                        <p:tgtEl>
+                                          <p:spTgt spid="4"/>
+                                        </p:tgtEl>
+                                      </p:cBhvr>
+                                    </p:animEffect>
+                                  </p:childTnLst>
+                                </p:cTn>
+                              </p:par>
+                            </p:childTnLst>
+                          </p:cTn>
+                        </p:par>
+                      </p:childTnLst>
+                    </p:cTn>
+                  </p:par>
+                </p:childTnLst>
+              </p:cTn>
+              <p:prevCondLst>
+                <p:cond evt="onPrev" delay="0">
+                  <p:tgtEl>
+                    <p:sldTgt/>
+                  </p:tgtEl>
+                </p:cond>
+              </p:prevCondLst>
+              <p:nextCondLst>
+                <p:cond evt="onNext" delay="0">
+                  <p:tgtEl>
+                    <p:sldTgt/>
+                  </p:tgtEl>
+                </p:cond>
+              </p:nextCondLst>
+            </p:seq>
+          </p:childTnLst>
+        </p:cTn>
+      </p:par>
+    </p:tnLst>
+    <p:bldLst>
+      <p:bldP spid="5" grpId="0"/>
+    </p:bldLst>
+  </p:timing>
+</p:sld>
+</file>
+
+<file path=ppt/slides/slide7.xml><?xml version="1.0" encoding="utf-8"?>
+<p:sld xmlns:a="http://schemas.openxmlformats.org/drawingml/2006/main" xmlns:r="http://schemas.openxmlformats.org/officeDocument/2006/relationships" xmlns:p="http://schemas.openxmlformats.org/presentationml/2006/main">
+  <p:cSld>
+    <p:spTree>
+      <p:nvGrpSpPr>
+        <p:cNvPr id="1" name=""/>
+        <p:cNvGrpSpPr/>
+        <p:nvPr/>
+      </p:nvGrpSpPr>
+      <p:grpSpPr>
+        <a:xfrm>
+          <a:off x="0" y="0"/>
+          <a:ext cx="0" cy="0"/>
+          <a:chOff x="0" y="0"/>
+          <a:chExt cx="0" cy="0"/>
+        </a:xfrm>
+      </p:grpSpPr>
+      <p:sp>
+        <p:nvSpPr>
           <p:cNvPr id="2" name="Title 1"/>
           <p:cNvSpPr>
             <a:spLocks noGrp="1"/>
@@ -7411,7 +8431,7 @@
         <p:spPr>
           <a:xfrm>
             <a:off x="1371600" y="1448718"/>
-            <a:ext cx="7772400" cy="3693319"/>
+            <a:ext cx="7772400" cy="2308324"/>
           </a:xfrm>
           <a:prstGeom prst="rect">
             <a:avLst/>
@@ -7464,41 +8484,6 @@
             <a:endParaRPr lang="en-US" dirty="0"/>
           </a:p>
           <a:p>
-            <a:r>
-              <a:rPr lang="en-US" b="1" dirty="0"/>
-              <a:t>Final Thoughts</a:t>
-            </a:r>
-          </a:p>
-          <a:p>
-            <a:endParaRPr lang="en-US" dirty="0"/>
-          </a:p>
-          <a:p>
-            <a:r>
-              <a:rPr lang="en-US" dirty="0"/>
-              <a:t>With this project, we have significantly improved </a:t>
-            </a:r>
-            <a:r>
-              <a:rPr lang="en-US" b="1" dirty="0"/>
-              <a:t>efficiency, accuracy, and cost-effectiveness</a:t>
-            </a:r>
-            <a:r>
-              <a:rPr lang="en-US" dirty="0"/>
-              <a:t>. Moving forward, we will continue refining the approach to handle </a:t>
-            </a:r>
-            <a:r>
-              <a:rPr lang="en-US" b="1" dirty="0"/>
-              <a:t>even larger datasets</a:t>
-            </a:r>
-            <a:r>
-              <a:rPr lang="en-US" dirty="0"/>
-              <a:t> with minimal manual effort.</a:t>
-            </a:r>
-          </a:p>
-          <a:p>
-            <a:pPr>
-              <a:buFont typeface="Arial" panose="020B0604020202020204" pitchFamily="34" charset="0"/>
-              <a:buChar char="•"/>
-            </a:pPr>
             <a:endParaRPr lang="en-US" dirty="0"/>
           </a:p>
         </p:txBody>
@@ -7728,110 +8713,6 @@
                       </p:childTnLst>
                     </p:cTn>
                   </p:par>
-                  <p:par>
-                    <p:cTn id="15" fill="hold">
-                      <p:stCondLst>
-                        <p:cond delay="indefinite"/>
-                      </p:stCondLst>
-                      <p:childTnLst>
-                        <p:par>
-                          <p:cTn id="16" fill="hold">
-                            <p:stCondLst>
-                              <p:cond delay="0"/>
-                            </p:stCondLst>
-                            <p:childTnLst>
-                              <p:par>
-                                <p:cTn id="17" presetID="14" presetClass="entr" presetSubtype="10" fill="hold" nodeType="clickEffect">
-                                  <p:stCondLst>
-                                    <p:cond delay="0"/>
-                                  </p:stCondLst>
-                                  <p:childTnLst>
-                                    <p:set>
-                                      <p:cBhvr>
-                                        <p:cTn id="18" dur="1" fill="hold">
-                                          <p:stCondLst>
-                                            <p:cond delay="0"/>
-                                          </p:stCondLst>
-                                        </p:cTn>
-                                        <p:tgtEl>
-                                          <p:spTgt spid="3">
-                                            <p:txEl>
-                                              <p:pRg st="6" end="6"/>
-                                            </p:txEl>
-                                          </p:spTgt>
-                                        </p:tgtEl>
-                                        <p:attrNameLst>
-                                          <p:attrName>style.visibility</p:attrName>
-                                        </p:attrNameLst>
-                                      </p:cBhvr>
-                                      <p:to>
-                                        <p:strVal val="visible"/>
-                                      </p:to>
-                                    </p:set>
-                                    <p:animEffect transition="in" filter="randombar(horizontal)">
-                                      <p:cBhvr>
-                                        <p:cTn id="19" dur="500"/>
-                                        <p:tgtEl>
-                                          <p:spTgt spid="3">
-                                            <p:txEl>
-                                              <p:pRg st="6" end="6"/>
-                                            </p:txEl>
-                                          </p:spTgt>
-                                        </p:tgtEl>
-                                      </p:cBhvr>
-                                    </p:animEffect>
-                                  </p:childTnLst>
-                                </p:cTn>
-                              </p:par>
-                              <p:par>
-                                <p:cTn id="20" presetID="14" presetClass="entr" presetSubtype="10" fill="hold" nodeType="withEffect">
-                                  <p:stCondLst>
-                                    <p:cond delay="0"/>
-                                  </p:stCondLst>
-                                  <p:childTnLst>
-                                    <p:set>
-                                      <p:cBhvr>
-                                        <p:cTn id="21" dur="1" fill="hold">
-                                          <p:stCondLst>
-                                            <p:cond delay="0"/>
-                                          </p:stCondLst>
-                                        </p:cTn>
-                                        <p:tgtEl>
-                                          <p:spTgt spid="3">
-                                            <p:txEl>
-                                              <p:pRg st="8" end="8"/>
-                                            </p:txEl>
-                                          </p:spTgt>
-                                        </p:tgtEl>
-                                        <p:attrNameLst>
-                                          <p:attrName>style.visibility</p:attrName>
-                                        </p:attrNameLst>
-                                      </p:cBhvr>
-                                      <p:to>
-                                        <p:strVal val="visible"/>
-                                      </p:to>
-                                    </p:set>
-                                    <p:animEffect transition="in" filter="randombar(horizontal)">
-                                      <p:cBhvr>
-                                        <p:cTn id="22" dur="500"/>
-                                        <p:tgtEl>
-                                          <p:spTgt spid="3">
-                                            <p:txEl>
-                                              <p:pRg st="8" end="8"/>
-                                            </p:txEl>
-                                          </p:spTgt>
-                                        </p:tgtEl>
-                                      </p:cBhvr>
-                                    </p:animEffect>
-                                  </p:childTnLst>
-                                </p:cTn>
-                              </p:par>
-                            </p:childTnLst>
-                          </p:cTn>
-                        </p:par>
-                      </p:childTnLst>
-                    </p:cTn>
-                  </p:par>
                 </p:childTnLst>
               </p:cTn>
               <p:prevCondLst>
@@ -7857,7 +8738,7 @@
 </p:sld>
 </file>
 
-<file path=ppt/slides/slide7.xml><?xml version="1.0" encoding="utf-8"?>
+<file path=ppt/slides/slide8.xml><?xml version="1.0" encoding="utf-8"?>
 <p:sld xmlns:a="http://schemas.openxmlformats.org/drawingml/2006/main" xmlns:r="http://schemas.openxmlformats.org/officeDocument/2006/relationships" xmlns:p="http://schemas.openxmlformats.org/presentationml/2006/main">
   <p:cSld>
     <p:spTree>
